--- a/Content/Storage/Azure Storage.pptx
+++ b/Content/Storage/Azure Storage.pptx
@@ -5,7 +5,7 @@
     <p:sldMasterId id="2147483680" r:id="rId1"/>
   </p:sldMasterIdLst>
   <p:notesMasterIdLst>
-    <p:notesMasterId r:id="rId11"/>
+    <p:notesMasterId r:id="rId12"/>
   </p:notesMasterIdLst>
   <p:sldIdLst>
     <p:sldId id="256" r:id="rId2"/>
@@ -14,9 +14,10 @@
     <p:sldId id="281" r:id="rId5"/>
     <p:sldId id="275" r:id="rId6"/>
     <p:sldId id="276" r:id="rId7"/>
-    <p:sldId id="284" r:id="rId8"/>
-    <p:sldId id="271" r:id="rId9"/>
-    <p:sldId id="285" r:id="rId10"/>
+    <p:sldId id="287" r:id="rId8"/>
+    <p:sldId id="284" r:id="rId9"/>
+    <p:sldId id="271" r:id="rId10"/>
+    <p:sldId id="285" r:id="rId11"/>
   </p:sldIdLst>
   <p:sldSz cx="12192000" cy="6858000"/>
   <p:notesSz cx="6858000" cy="9144000"/>
@@ -205,7 +206,7 @@
           <a:p>
             <a:fld id="{2E5CA586-3557-4985-BCD4-35EF5AC8B4A4}" type="datetimeFigureOut">
               <a:rPr lang="en-US" smtClean="0"/>
-              <a:t>1/11/2016</a:t>
+              <a:t>2/8/2016</a:t>
             </a:fld>
             <a:endParaRPr lang="en-US"/>
           </a:p>
@@ -471,6 +472,370 @@
     </a:lvl9pPr>
   </p:notesStyle>
 </p:notesMaster>
+</file>
+
+<file path=ppt/notesSlides/notesSlide1.xml><?xml version="1.0" encoding="utf-8"?>
+<p:notes xmlns:a="http://schemas.openxmlformats.org/drawingml/2006/main" xmlns:r="http://schemas.openxmlformats.org/officeDocument/2006/relationships" xmlns:p="http://schemas.openxmlformats.org/presentationml/2006/main">
+  <p:cSld>
+    <p:spTree>
+      <p:nvGrpSpPr>
+        <p:cNvPr id="1" name=""/>
+        <p:cNvGrpSpPr/>
+        <p:nvPr/>
+      </p:nvGrpSpPr>
+      <p:grpSpPr>
+        <a:xfrm>
+          <a:off x="0" y="0"/>
+          <a:ext cx="0" cy="0"/>
+          <a:chOff x="0" y="0"/>
+          <a:chExt cx="0" cy="0"/>
+        </a:xfrm>
+      </p:grpSpPr>
+      <p:sp>
+        <p:nvSpPr>
+          <p:cNvPr id="2" name="Slide Image Placeholder 1"/>
+          <p:cNvSpPr>
+            <a:spLocks noGrp="1" noRot="1" noChangeAspect="1"/>
+          </p:cNvSpPr>
+          <p:nvPr>
+            <p:ph type="sldImg"/>
+          </p:nvPr>
+        </p:nvSpPr>
+        <p:spPr/>
+      </p:sp>
+      <p:sp>
+        <p:nvSpPr>
+          <p:cNvPr id="3" name="Notes Placeholder 2"/>
+          <p:cNvSpPr>
+            <a:spLocks noGrp="1"/>
+          </p:cNvSpPr>
+          <p:nvPr>
+            <p:ph type="body" idx="1"/>
+          </p:nvPr>
+        </p:nvSpPr>
+        <p:spPr/>
+        <p:txBody>
+          <a:bodyPr/>
+          <a:lstStyle/>
+          <a:p>
+            <a:r>
+              <a:rPr lang="en-US" dirty="0" smtClean="0"/>
+              <a:t>One way to share information (blobs) with other researchers is to put the blobs you wish to share</a:t>
+            </a:r>
+            <a:r>
+              <a:rPr lang="en-US" baseline="0" dirty="0" smtClean="0"/>
+              <a:t> in a public container. But those blobs truly are public and can be accessed by anyone who knows their URLs.</a:t>
+            </a:r>
+            <a:endParaRPr lang="en-US" dirty="0"/>
+          </a:p>
+        </p:txBody>
+      </p:sp>
+      <p:sp>
+        <p:nvSpPr>
+          <p:cNvPr id="4" name="Slide Number Placeholder 3"/>
+          <p:cNvSpPr>
+            <a:spLocks noGrp="1"/>
+          </p:cNvSpPr>
+          <p:nvPr>
+            <p:ph type="sldNum" sz="quarter" idx="10"/>
+          </p:nvPr>
+        </p:nvSpPr>
+        <p:spPr/>
+        <p:txBody>
+          <a:bodyPr/>
+          <a:lstStyle/>
+          <a:p>
+            <a:fld id="{BC60BE34-BC89-4C98-A56B-79B7A098D024}" type="slidenum">
+              <a:rPr lang="en-US" smtClean="0"/>
+              <a:t>5</a:t>
+            </a:fld>
+            <a:endParaRPr lang="en-US"/>
+          </a:p>
+        </p:txBody>
+      </p:sp>
+    </p:spTree>
+    <p:extLst>
+      <p:ext uri="{BB962C8B-B14F-4D97-AF65-F5344CB8AC3E}">
+        <p14:creationId xmlns:p14="http://schemas.microsoft.com/office/powerpoint/2010/main" val="2247308303"/>
+      </p:ext>
+    </p:extLst>
+  </p:cSld>
+  <p:clrMapOvr>
+    <a:masterClrMapping/>
+  </p:clrMapOvr>
+</p:notes>
+</file>
+
+<file path=ppt/notesSlides/notesSlide2.xml><?xml version="1.0" encoding="utf-8"?>
+<p:notes xmlns:a="http://schemas.openxmlformats.org/drawingml/2006/main" xmlns:r="http://schemas.openxmlformats.org/officeDocument/2006/relationships" xmlns:p="http://schemas.openxmlformats.org/presentationml/2006/main">
+  <p:cSld>
+    <p:spTree>
+      <p:nvGrpSpPr>
+        <p:cNvPr id="1" name=""/>
+        <p:cNvGrpSpPr/>
+        <p:nvPr/>
+      </p:nvGrpSpPr>
+      <p:grpSpPr>
+        <a:xfrm>
+          <a:off x="0" y="0"/>
+          <a:ext cx="0" cy="0"/>
+          <a:chOff x="0" y="0"/>
+          <a:chExt cx="0" cy="0"/>
+        </a:xfrm>
+      </p:grpSpPr>
+      <p:sp>
+        <p:nvSpPr>
+          <p:cNvPr id="2" name="Slide Image Placeholder 1"/>
+          <p:cNvSpPr>
+            <a:spLocks noGrp="1" noRot="1" noChangeAspect="1"/>
+          </p:cNvSpPr>
+          <p:nvPr>
+            <p:ph type="sldImg"/>
+          </p:nvPr>
+        </p:nvSpPr>
+        <p:spPr/>
+      </p:sp>
+      <p:sp>
+        <p:nvSpPr>
+          <p:cNvPr id="3" name="Notes Placeholder 2"/>
+          <p:cNvSpPr>
+            <a:spLocks noGrp="1"/>
+          </p:cNvSpPr>
+          <p:nvPr>
+            <p:ph type="body" idx="1"/>
+          </p:nvPr>
+        </p:nvSpPr>
+        <p:spPr/>
+        <p:txBody>
+          <a:bodyPr/>
+          <a:lstStyle/>
+          <a:p>
+            <a:r>
+              <a:rPr lang="en-US" dirty="0" smtClean="0"/>
+              <a:t>Access keys should </a:t>
+            </a:r>
+            <a:r>
+              <a:rPr lang="en-US" u="sng" dirty="0" smtClean="0"/>
+              <a:t>never</a:t>
+            </a:r>
+            <a:r>
+              <a:rPr lang="en-US" baseline="0" dirty="0" smtClean="0"/>
+              <a:t> be handed out to other people because they provide unlimited access to a storage account. SAS tokens are safer because they can be time-limited and set to provide read-only access. The best way to generate a SAS token is with Microsoft's cross-platform Azure Storage Explorer.</a:t>
+            </a:r>
+            <a:endParaRPr lang="en-US" dirty="0"/>
+          </a:p>
+        </p:txBody>
+      </p:sp>
+      <p:sp>
+        <p:nvSpPr>
+          <p:cNvPr id="4" name="Slide Number Placeholder 3"/>
+          <p:cNvSpPr>
+            <a:spLocks noGrp="1"/>
+          </p:cNvSpPr>
+          <p:nvPr>
+            <p:ph type="sldNum" sz="quarter" idx="10"/>
+          </p:nvPr>
+        </p:nvSpPr>
+        <p:spPr/>
+        <p:txBody>
+          <a:bodyPr/>
+          <a:lstStyle/>
+          <a:p>
+            <a:fld id="{BC60BE34-BC89-4C98-A56B-79B7A098D024}" type="slidenum">
+              <a:rPr lang="en-US" smtClean="0"/>
+              <a:t>6</a:t>
+            </a:fld>
+            <a:endParaRPr lang="en-US"/>
+          </a:p>
+        </p:txBody>
+      </p:sp>
+    </p:spTree>
+    <p:extLst>
+      <p:ext uri="{BB962C8B-B14F-4D97-AF65-F5344CB8AC3E}">
+        <p14:creationId xmlns:p14="http://schemas.microsoft.com/office/powerpoint/2010/main" val="871575163"/>
+      </p:ext>
+    </p:extLst>
+  </p:cSld>
+  <p:clrMapOvr>
+    <a:masterClrMapping/>
+  </p:clrMapOvr>
+</p:notes>
+</file>
+
+<file path=ppt/notesSlides/notesSlide3.xml><?xml version="1.0" encoding="utf-8"?>
+<p:notes xmlns:a="http://schemas.openxmlformats.org/drawingml/2006/main" xmlns:r="http://schemas.openxmlformats.org/officeDocument/2006/relationships" xmlns:p="http://schemas.openxmlformats.org/presentationml/2006/main">
+  <p:cSld>
+    <p:spTree>
+      <p:nvGrpSpPr>
+        <p:cNvPr id="1" name=""/>
+        <p:cNvGrpSpPr/>
+        <p:nvPr/>
+      </p:nvGrpSpPr>
+      <p:grpSpPr>
+        <a:xfrm>
+          <a:off x="0" y="0"/>
+          <a:ext cx="0" cy="0"/>
+          <a:chOff x="0" y="0"/>
+          <a:chExt cx="0" cy="0"/>
+        </a:xfrm>
+      </p:grpSpPr>
+      <p:sp>
+        <p:nvSpPr>
+          <p:cNvPr id="2" name="Slide Image Placeholder 1"/>
+          <p:cNvSpPr>
+            <a:spLocks noGrp="1" noRot="1" noChangeAspect="1"/>
+          </p:cNvSpPr>
+          <p:nvPr>
+            <p:ph type="sldImg"/>
+          </p:nvPr>
+        </p:nvSpPr>
+        <p:spPr/>
+      </p:sp>
+      <p:sp>
+        <p:nvSpPr>
+          <p:cNvPr id="3" name="Notes Placeholder 2"/>
+          <p:cNvSpPr>
+            <a:spLocks noGrp="1"/>
+          </p:cNvSpPr>
+          <p:nvPr>
+            <p:ph type="body" idx="1"/>
+          </p:nvPr>
+        </p:nvSpPr>
+        <p:spPr/>
+        <p:txBody>
+          <a:bodyPr/>
+          <a:lstStyle/>
+          <a:p>
+            <a:endParaRPr lang="en-US" dirty="0"/>
+          </a:p>
+        </p:txBody>
+      </p:sp>
+      <p:sp>
+        <p:nvSpPr>
+          <p:cNvPr id="4" name="Slide Number Placeholder 3"/>
+          <p:cNvSpPr>
+            <a:spLocks noGrp="1"/>
+          </p:cNvSpPr>
+          <p:nvPr>
+            <p:ph type="sldNum" sz="quarter" idx="10"/>
+          </p:nvPr>
+        </p:nvSpPr>
+        <p:spPr/>
+        <p:txBody>
+          <a:bodyPr/>
+          <a:lstStyle/>
+          <a:p>
+            <a:fld id="{BC60BE34-BC89-4C98-A56B-79B7A098D024}" type="slidenum">
+              <a:rPr lang="en-US" smtClean="0"/>
+              <a:t>7</a:t>
+            </a:fld>
+            <a:endParaRPr lang="en-US"/>
+          </a:p>
+        </p:txBody>
+      </p:sp>
+    </p:spTree>
+    <p:extLst>
+      <p:ext uri="{BB962C8B-B14F-4D97-AF65-F5344CB8AC3E}">
+        <p14:creationId xmlns:p14="http://schemas.microsoft.com/office/powerpoint/2010/main" val="3446626187"/>
+      </p:ext>
+    </p:extLst>
+  </p:cSld>
+  <p:clrMapOvr>
+    <a:masterClrMapping/>
+  </p:clrMapOvr>
+</p:notes>
+</file>
+
+<file path=ppt/notesSlides/notesSlide4.xml><?xml version="1.0" encoding="utf-8"?>
+<p:notes xmlns:a="http://schemas.openxmlformats.org/drawingml/2006/main" xmlns:r="http://schemas.openxmlformats.org/officeDocument/2006/relationships" xmlns:p="http://schemas.openxmlformats.org/presentationml/2006/main">
+  <p:cSld>
+    <p:spTree>
+      <p:nvGrpSpPr>
+        <p:cNvPr id="1" name=""/>
+        <p:cNvGrpSpPr/>
+        <p:nvPr/>
+      </p:nvGrpSpPr>
+      <p:grpSpPr>
+        <a:xfrm>
+          <a:off x="0" y="0"/>
+          <a:ext cx="0" cy="0"/>
+          <a:chOff x="0" y="0"/>
+          <a:chExt cx="0" cy="0"/>
+        </a:xfrm>
+      </p:grpSpPr>
+      <p:sp>
+        <p:nvSpPr>
+          <p:cNvPr id="2" name="Slide Image Placeholder 1"/>
+          <p:cNvSpPr>
+            <a:spLocks noGrp="1" noRot="1" noChangeAspect="1"/>
+          </p:cNvSpPr>
+          <p:nvPr>
+            <p:ph type="sldImg"/>
+          </p:nvPr>
+        </p:nvSpPr>
+        <p:spPr/>
+      </p:sp>
+      <p:sp>
+        <p:nvSpPr>
+          <p:cNvPr id="3" name="Notes Placeholder 2"/>
+          <p:cNvSpPr>
+            <a:spLocks noGrp="1"/>
+          </p:cNvSpPr>
+          <p:nvPr>
+            <p:ph type="body" idx="1"/>
+          </p:nvPr>
+        </p:nvSpPr>
+        <p:spPr/>
+        <p:txBody>
+          <a:bodyPr/>
+          <a:lstStyle/>
+          <a:p>
+            <a:r>
+              <a:rPr lang="en-US" dirty="0" smtClean="0"/>
+              <a:t>The Microsoft Azure Storage Explorer provides an easy-to-use</a:t>
+            </a:r>
+            <a:r>
+              <a:rPr lang="en-US" baseline="0" dirty="0" smtClean="0"/>
+              <a:t> GUI interface for creating containers, uploading and downloading blobs, generating SAS tokens, and more. But if you want to use a scripting language such as Bash or PowerShell to script storage operations, the Azure CLI is the way to go.</a:t>
+            </a:r>
+            <a:endParaRPr lang="en-US" dirty="0"/>
+          </a:p>
+        </p:txBody>
+      </p:sp>
+      <p:sp>
+        <p:nvSpPr>
+          <p:cNvPr id="4" name="Slide Number Placeholder 3"/>
+          <p:cNvSpPr>
+            <a:spLocks noGrp="1"/>
+          </p:cNvSpPr>
+          <p:nvPr>
+            <p:ph type="sldNum" sz="quarter" idx="10"/>
+          </p:nvPr>
+        </p:nvSpPr>
+        <p:spPr/>
+        <p:txBody>
+          <a:bodyPr/>
+          <a:lstStyle/>
+          <a:p>
+            <a:fld id="{BC60BE34-BC89-4C98-A56B-79B7A098D024}" type="slidenum">
+              <a:rPr lang="en-US" smtClean="0"/>
+              <a:t>8</a:t>
+            </a:fld>
+            <a:endParaRPr lang="en-US"/>
+          </a:p>
+        </p:txBody>
+      </p:sp>
+    </p:spTree>
+    <p:extLst>
+      <p:ext uri="{BB962C8B-B14F-4D97-AF65-F5344CB8AC3E}">
+        <p14:creationId xmlns:p14="http://schemas.microsoft.com/office/powerpoint/2010/main" val="1809197301"/>
+      </p:ext>
+    </p:extLst>
+  </p:cSld>
+  <p:clrMapOvr>
+    <a:masterClrMapping/>
+  </p:clrMapOvr>
+</p:notes>
 </file>
 
 <file path=ppt/slideLayouts/slideLayout1.xml><?xml version="1.0" encoding="utf-8"?>
@@ -11289,11 +11654,7 @@
           <a:p>
             <a:r>
               <a:rPr lang="en-US" dirty="0" smtClean="0"/>
-              <a:t>Azure </a:t>
-            </a:r>
-            <a:r>
-              <a:rPr lang="en-US" dirty="0" smtClean="0"/>
-              <a:t>Storage</a:t>
+              <a:t>Azure Storage</a:t>
             </a:r>
             <a:endParaRPr lang="en-US" dirty="0"/>
           </a:p>
@@ -11331,6 +11692,46 @@
     <p:extLst>
       <p:ext uri="{BB962C8B-B14F-4D97-AF65-F5344CB8AC3E}">
         <p14:creationId xmlns:p14="http://schemas.microsoft.com/office/powerpoint/2010/main" val="2000462014"/>
+      </p:ext>
+    </p:extLst>
+  </p:cSld>
+  <p:clrMapOvr>
+    <a:masterClrMapping/>
+  </p:clrMapOvr>
+  <p:transition>
+    <p:fade/>
+  </p:transition>
+  <p:timing>
+    <p:tnLst>
+      <p:par>
+        <p:cTn id="1" dur="indefinite" restart="never" nodeType="tmRoot"/>
+      </p:par>
+    </p:tnLst>
+  </p:timing>
+</p:sld>
+</file>
+
+<file path=ppt/slides/slide10.xml><?xml version="1.0" encoding="utf-8"?>
+<p:sld xmlns:a="http://schemas.openxmlformats.org/drawingml/2006/main" xmlns:r="http://schemas.openxmlformats.org/officeDocument/2006/relationships" xmlns:p="http://schemas.openxmlformats.org/presentationml/2006/main">
+  <p:cSld>
+    <p:spTree>
+      <p:nvGrpSpPr>
+        <p:cNvPr id="1" name=""/>
+        <p:cNvGrpSpPr/>
+        <p:nvPr/>
+      </p:nvGrpSpPr>
+      <p:grpSpPr>
+        <a:xfrm>
+          <a:off x="0" y="0"/>
+          <a:ext cx="0" cy="0"/>
+          <a:chOff x="0" y="0"/>
+          <a:chExt cx="0" cy="0"/>
+        </a:xfrm>
+      </p:grpSpPr>
+    </p:spTree>
+    <p:extLst>
+      <p:ext uri="{BB962C8B-B14F-4D97-AF65-F5344CB8AC3E}">
+        <p14:creationId xmlns:p14="http://schemas.microsoft.com/office/powerpoint/2010/main" val="2053561477"/>
       </p:ext>
     </p:extLst>
   </p:cSld>
@@ -11977,7 +12378,7 @@
         <p:spPr>
           <a:xfrm>
             <a:off x="8139165" y="3802189"/>
-            <a:ext cx="3205425" cy="1329595"/>
+            <a:ext cx="3205425" cy="997196"/>
           </a:xfrm>
           <a:prstGeom prst="rect">
             <a:avLst/>
@@ -12021,7 +12422,7 @@
                 <a:latin typeface="Segoe UI Light" panose="020B0502040204020203" pitchFamily="34" charset="0"/>
                 <a:cs typeface="Segoe UI Light" panose="020B0502040204020203" pitchFamily="34" charset="0"/>
               </a:rPr>
-              <a:t>Shared storage for VMs and cloud services using Server Message Block (SMB) protocol</a:t>
+              <a:t>File sharing using Server Message Block (SMB) protocol</a:t>
             </a:r>
             <a:endParaRPr lang="en-US" sz="2400" dirty="0">
               <a:gradFill>
@@ -15498,7 +15899,7 @@
           <p:nvPr/>
         </p:nvPicPr>
         <p:blipFill>
-          <a:blip r:embed="rId2"/>
+          <a:blip r:embed="rId3"/>
           <a:stretch>
             <a:fillRect/>
           </a:stretch>
@@ -15624,7 +16025,7 @@
           <a:p>
             <a:r>
               <a:rPr lang="en-US" dirty="0" smtClean="0"/>
-              <a:t>Keys can be used to generate shared-access signature (SAS) tokens for secure, time-limited access</a:t>
+              <a:t>Keys can be used to generate shared-access signatures (SAS) for secure and restricted access</a:t>
             </a:r>
           </a:p>
         </p:txBody>
@@ -15638,7 +16039,7 @@
           <p:nvPr/>
         </p:nvPicPr>
         <p:blipFill>
-          <a:blip r:embed="rId2"/>
+          <a:blip r:embed="rId3"/>
           <a:stretch>
             <a:fillRect/>
           </a:stretch>
@@ -15673,6 +16074,13 @@
   <p:transition>
     <p:fade/>
   </p:transition>
+  <p:timing>
+    <p:tnLst>
+      <p:par>
+        <p:cTn id="1" dur="indefinite" restart="never" nodeType="tmRoot"/>
+      </p:par>
+    </p:tnLst>
+  </p:timing>
 </p:sld>
 </file>
 
@@ -15710,7 +16118,7 @@
           <a:p>
             <a:r>
               <a:rPr lang="en-US" dirty="0" smtClean="0"/>
-              <a:t>Azure Storage Tools</a:t>
+              <a:t>Using a Shared-Access Signature</a:t>
             </a:r>
             <a:endParaRPr lang="en-US" dirty="0"/>
           </a:p>
@@ -15718,81 +16126,14 @@
       </p:sp>
       <p:sp>
         <p:nvSpPr>
-          <p:cNvPr id="3" name="Content Placeholder 2"/>
-          <p:cNvSpPr>
-            <a:spLocks noGrp="1"/>
-          </p:cNvSpPr>
-          <p:nvPr>
-            <p:ph idx="1"/>
-          </p:nvPr>
-        </p:nvSpPr>
-        <p:spPr>
-          <a:xfrm>
-            <a:off x="519248" y="1447800"/>
-            <a:ext cx="11151916" cy="984629"/>
-          </a:xfrm>
-        </p:spPr>
-        <p:txBody>
-          <a:bodyPr/>
-          <a:lstStyle/>
-          <a:p>
-            <a:r>
-              <a:rPr lang="en-US" dirty="0" smtClean="0"/>
-              <a:t>Portal doesn't provide functionality for uploading blobs</a:t>
-            </a:r>
-          </a:p>
-          <a:p>
-            <a:r>
-              <a:rPr lang="en-US" dirty="0" smtClean="0"/>
-              <a:t>User free third-party tools to upload blobs instead</a:t>
-            </a:r>
-          </a:p>
-        </p:txBody>
-      </p:sp>
-      <p:pic>
-        <p:nvPicPr>
-          <p:cNvPr id="4" name="Picture 3"/>
-          <p:cNvPicPr>
-            <a:picLocks noChangeAspect="1"/>
-          </p:cNvPicPr>
-          <p:nvPr/>
-        </p:nvPicPr>
-        <p:blipFill>
-          <a:blip r:embed="rId2"/>
-          <a:stretch>
-            <a:fillRect/>
-          </a:stretch>
-        </p:blipFill>
-        <p:spPr>
-          <a:xfrm>
-            <a:off x="5917739" y="3440671"/>
-            <a:ext cx="5045393" cy="2557149"/>
-          </a:xfrm>
-          <a:prstGeom prst="rect">
-            <a:avLst/>
-          </a:prstGeom>
-          <a:ln>
-            <a:noFill/>
-          </a:ln>
-          <a:effectLst>
-            <a:outerShdw blurRad="292100" dist="139700" dir="2700000" algn="tl" rotWithShape="0">
-              <a:srgbClr val="333333">
-                <a:alpha val="65000"/>
-              </a:srgbClr>
-            </a:outerShdw>
-          </a:effectLst>
-        </p:spPr>
-      </p:pic>
-      <p:sp>
-        <p:nvSpPr>
-          <p:cNvPr id="9" name="TextBox 8"/>
+          <p:cNvPr id="4" name="TextBox 3"/>
           <p:cNvSpPr txBox="1"/>
           <p:nvPr/>
         </p:nvSpPr>
         <p:spPr>
           <a:xfrm>
-            <a:off x="5917738" y="2753221"/>
-            <a:ext cx="5045394" cy="615553"/>
+            <a:off x="519249" y="2373555"/>
+            <a:ext cx="11151917" cy="2314480"/>
           </a:xfrm>
           <a:prstGeom prst="rect">
             <a:avLst/>
@@ -15815,11 +16156,12 @@
               <a:buSzPct val="80000"/>
             </a:pPr>
             <a:r>
-              <a:rPr lang="en-US" sz="2000" dirty="0" smtClean="0">
-                <a:latin typeface="Segoe UI Light" panose="020B0502040204020203" pitchFamily="34" charset="0"/>
-                <a:cs typeface="Segoe UI Light" panose="020B0502040204020203" pitchFamily="34" charset="0"/>
+              <a:rPr lang="en-US" sz="3200" dirty="0" smtClean="0">
+                <a:solidFill>
+                  <a:schemeClr val="accent2"/>
+                </a:solidFill>
               </a:rPr>
-              <a:t>Azure Command-Line Interface</a:t>
+              <a:t>https://a4rlabs.blob.core.windows.net/images/schema.jpg?</a:t>
             </a:r>
           </a:p>
           <a:p>
@@ -15833,63 +16175,66 @@
               <a:buSzPct val="80000"/>
             </a:pPr>
             <a:r>
-              <a:rPr lang="en-US" sz="2000" dirty="0" smtClean="0">
-                <a:latin typeface="Segoe UI Light" panose="020B0502040204020203" pitchFamily="34" charset="0"/>
-                <a:cs typeface="Segoe UI Light" panose="020B0502040204020203" pitchFamily="34" charset="0"/>
+              <a:rPr lang="en-US" sz="3200" dirty="0" err="1">
+                <a:solidFill>
+                  <a:schemeClr val="accent1"/>
+                </a:solidFill>
               </a:rPr>
-              <a:t>(Windows, Linux, OS X)</a:t>
-            </a:r>
-            <a:endParaRPr lang="en-US" sz="2000" dirty="0">
-              <a:latin typeface="Segoe UI Light" panose="020B0502040204020203" pitchFamily="34" charset="0"/>
-              <a:cs typeface="Segoe UI Light" panose="020B0502040204020203" pitchFamily="34" charset="0"/>
-            </a:endParaRPr>
+              <a:t>st</a:t>
+            </a:r>
+            <a:r>
+              <a:rPr lang="en-US" sz="3200" dirty="0">
+                <a:solidFill>
+                  <a:schemeClr val="accent1"/>
+                </a:solidFill>
+              </a:rPr>
+              <a:t>=2016-02-07T19%3A58%3A00Z&amp;se=2016-02-08T19%3A58%3A00Z&amp;sp=</a:t>
+            </a:r>
+            <a:r>
+              <a:rPr lang="en-US" sz="3200" dirty="0" err="1">
+                <a:solidFill>
+                  <a:schemeClr val="accent1"/>
+                </a:solidFill>
+              </a:rPr>
+              <a:t>r&amp;sv</a:t>
+            </a:r>
+            <a:r>
+              <a:rPr lang="en-US" sz="3200" dirty="0">
+                <a:solidFill>
+                  <a:schemeClr val="accent1"/>
+                </a:solidFill>
+              </a:rPr>
+              <a:t>=2015-02-21&amp;sr=</a:t>
+            </a:r>
+            <a:r>
+              <a:rPr lang="en-US" sz="3200" dirty="0" err="1">
+                <a:solidFill>
+                  <a:schemeClr val="accent1"/>
+                </a:solidFill>
+              </a:rPr>
+              <a:t>b&amp;sig</a:t>
+            </a:r>
+            <a:r>
+              <a:rPr lang="en-US" sz="3200" dirty="0">
+                <a:solidFill>
+                  <a:schemeClr val="accent1"/>
+                </a:solidFill>
+              </a:rPr>
+              <a:t>=BGebg1eduvPTwQnZWZlBphM8YGP9sRYt2WiPIL70vcw%3D</a:t>
+            </a:r>
           </a:p>
         </p:txBody>
       </p:sp>
-      <p:pic>
-        <p:nvPicPr>
-          <p:cNvPr id="10" name="Picture 9"/>
-          <p:cNvPicPr>
-            <a:picLocks noChangeAspect="1"/>
-          </p:cNvPicPr>
-          <p:nvPr/>
-        </p:nvPicPr>
-        <p:blipFill>
-          <a:blip r:embed="rId3"/>
-          <a:stretch>
-            <a:fillRect/>
-          </a:stretch>
-        </p:blipFill>
-        <p:spPr>
-          <a:xfrm>
-            <a:off x="1014518" y="3440671"/>
-            <a:ext cx="4110142" cy="2561686"/>
-          </a:xfrm>
-          <a:prstGeom prst="rect">
-            <a:avLst/>
-          </a:prstGeom>
-          <a:ln>
-            <a:noFill/>
-          </a:ln>
-          <a:effectLst>
-            <a:outerShdw blurRad="292100" dist="139700" dir="2700000" algn="tl" rotWithShape="0">
-              <a:srgbClr val="333333">
-                <a:alpha val="65000"/>
-              </a:srgbClr>
-            </a:outerShdw>
-          </a:effectLst>
-        </p:spPr>
-      </p:pic>
       <p:sp>
         <p:nvSpPr>
-          <p:cNvPr id="11" name="TextBox 10"/>
+          <p:cNvPr id="5" name="TextBox 4"/>
           <p:cNvSpPr txBox="1"/>
           <p:nvPr/>
         </p:nvSpPr>
         <p:spPr>
           <a:xfrm>
-            <a:off x="1049812" y="2814776"/>
-            <a:ext cx="4074848" cy="553998"/>
+            <a:off x="5256753" y="1274225"/>
+            <a:ext cx="1651093" cy="443198"/>
           </a:xfrm>
           <a:prstGeom prst="rect">
             <a:avLst/>
@@ -15897,10 +16242,76 @@
           <a:noFill/>
         </p:spPr>
         <p:txBody>
-          <a:bodyPr wrap="square" lIns="0" tIns="0" rIns="0" bIns="0" rtlCol="0">
+          <a:bodyPr wrap="none" lIns="0" tIns="0" rIns="0" bIns="0" rtlCol="0">
             <a:spAutoFit/>
           </a:bodyPr>
           <a:lstStyle/>
+          <a:p>
+            <a:pPr>
+              <a:lnSpc>
+                <a:spcPct val="90000"/>
+              </a:lnSpc>
+              <a:spcBef>
+                <a:spcPct val="20000"/>
+              </a:spcBef>
+              <a:buSzPct val="80000"/>
+            </a:pPr>
+            <a:r>
+              <a:rPr lang="en-US" sz="3200" dirty="0" smtClean="0">
+                <a:solidFill>
+                  <a:schemeClr val="accent2"/>
+                </a:solidFill>
+              </a:rPr>
+              <a:t>Blob URL</a:t>
+            </a:r>
+            <a:endParaRPr lang="en-US" sz="3200" dirty="0">
+              <a:solidFill>
+                <a:schemeClr val="accent2"/>
+              </a:solidFill>
+            </a:endParaRPr>
+          </a:p>
+        </p:txBody>
+      </p:sp>
+      <p:sp>
+        <p:nvSpPr>
+          <p:cNvPr id="6" name="TextBox 5"/>
+          <p:cNvSpPr txBox="1"/>
+          <p:nvPr/>
+        </p:nvSpPr>
+        <p:spPr>
+          <a:xfrm>
+            <a:off x="3952600" y="5304431"/>
+            <a:ext cx="4285212" cy="984885"/>
+          </a:xfrm>
+          <a:prstGeom prst="rect">
+            <a:avLst/>
+          </a:prstGeom>
+          <a:noFill/>
+        </p:spPr>
+        <p:txBody>
+          <a:bodyPr wrap="none" lIns="0" tIns="0" rIns="0" bIns="0" rtlCol="0">
+            <a:spAutoFit/>
+          </a:bodyPr>
+          <a:lstStyle/>
+          <a:p>
+            <a:pPr>
+              <a:lnSpc>
+                <a:spcPct val="90000"/>
+              </a:lnSpc>
+              <a:spcBef>
+                <a:spcPct val="20000"/>
+              </a:spcBef>
+              <a:buSzPct val="80000"/>
+            </a:pPr>
+            <a:r>
+              <a:rPr lang="en-US" sz="3200" dirty="0" smtClean="0">
+                <a:solidFill>
+                  <a:schemeClr val="accent1"/>
+                </a:solidFill>
+              </a:rPr>
+              <a:t>Query string containing</a:t>
+            </a:r>
+          </a:p>
           <a:p>
             <a:pPr algn="ctr">
               <a:lnSpc>
@@ -15912,23 +16323,97 @@
               <a:buSzPct val="80000"/>
             </a:pPr>
             <a:r>
-              <a:rPr lang="en-US" sz="2000" dirty="0" smtClean="0">
-                <a:latin typeface="Segoe UI Light" panose="020B0502040204020203" pitchFamily="34" charset="0"/>
-                <a:cs typeface="Segoe UI Light" panose="020B0502040204020203" pitchFamily="34" charset="0"/>
+              <a:rPr lang="en-US" sz="3200" dirty="0" smtClean="0">
+                <a:solidFill>
+                  <a:schemeClr val="accent1"/>
+                </a:solidFill>
               </a:rPr>
-              <a:t>Microsoft Azure Storage Explorer (Windows, OS X)</a:t>
-            </a:r>
-            <a:endParaRPr lang="en-US" sz="2000" dirty="0">
-              <a:latin typeface="Segoe UI Light" panose="020B0502040204020203" pitchFamily="34" charset="0"/>
-              <a:cs typeface="Segoe UI Light" panose="020B0502040204020203" pitchFamily="34" charset="0"/>
+              <a:t>shared-access signature</a:t>
+            </a:r>
+            <a:endParaRPr lang="en-US" sz="3200" dirty="0">
+              <a:solidFill>
+                <a:schemeClr val="accent1"/>
+              </a:solidFill>
             </a:endParaRPr>
           </a:p>
         </p:txBody>
       </p:sp>
+      <p:cxnSp>
+        <p:nvCxnSpPr>
+          <p:cNvPr id="10" name="Straight Connector 9"/>
+          <p:cNvCxnSpPr>
+            <a:stCxn id="5" idx="2"/>
+          </p:cNvCxnSpPr>
+          <p:nvPr/>
+        </p:nvCxnSpPr>
+        <p:spPr>
+          <a:xfrm>
+            <a:off x="6082300" y="1717423"/>
+            <a:ext cx="1" cy="614810"/>
+          </a:xfrm>
+          <a:prstGeom prst="line">
+            <a:avLst/>
+          </a:prstGeom>
+          <a:ln w="28575">
+            <a:solidFill>
+              <a:schemeClr val="accent2"/>
+            </a:solidFill>
+          </a:ln>
+        </p:spPr>
+        <p:style>
+          <a:lnRef idx="1">
+            <a:schemeClr val="accent1"/>
+          </a:lnRef>
+          <a:fillRef idx="0">
+            <a:schemeClr val="accent1"/>
+          </a:fillRef>
+          <a:effectRef idx="0">
+            <a:schemeClr val="accent1"/>
+          </a:effectRef>
+          <a:fontRef idx="minor">
+            <a:schemeClr val="tx1"/>
+          </a:fontRef>
+        </p:style>
+      </p:cxnSp>
+      <p:cxnSp>
+        <p:nvCxnSpPr>
+          <p:cNvPr id="15" name="Straight Connector 14"/>
+          <p:cNvCxnSpPr/>
+          <p:nvPr/>
+        </p:nvCxnSpPr>
+        <p:spPr>
+          <a:xfrm>
+            <a:off x="6082300" y="4688035"/>
+            <a:ext cx="1" cy="614810"/>
+          </a:xfrm>
+          <a:prstGeom prst="line">
+            <a:avLst/>
+          </a:prstGeom>
+          <a:ln w="28575">
+            <a:solidFill>
+              <a:schemeClr val="accent1"/>
+            </a:solidFill>
+          </a:ln>
+        </p:spPr>
+        <p:style>
+          <a:lnRef idx="1">
+            <a:schemeClr val="accent1"/>
+          </a:lnRef>
+          <a:fillRef idx="0">
+            <a:schemeClr val="accent1"/>
+          </a:fillRef>
+          <a:effectRef idx="0">
+            <a:schemeClr val="accent1"/>
+          </a:effectRef>
+          <a:fontRef idx="minor">
+            <a:schemeClr val="tx1"/>
+          </a:fontRef>
+        </p:style>
+      </p:cxnSp>
     </p:spTree>
     <p:extLst>
       <p:ext uri="{BB962C8B-B14F-4D97-AF65-F5344CB8AC3E}">
-        <p14:creationId xmlns:p14="http://schemas.microsoft.com/office/powerpoint/2010/main" val="660934382"/>
+        <p14:creationId xmlns:p14="http://schemas.microsoft.com/office/powerpoint/2010/main" val="15219728"/>
       </p:ext>
     </p:extLst>
   </p:cSld>
@@ -15972,6 +16457,256 @@
             <a:spLocks noGrp="1"/>
           </p:cNvSpPr>
           <p:nvPr>
+            <p:ph type="title"/>
+          </p:nvPr>
+        </p:nvSpPr>
+        <p:spPr/>
+        <p:txBody>
+          <a:bodyPr/>
+          <a:lstStyle/>
+          <a:p>
+            <a:r>
+              <a:rPr lang="en-US" dirty="0" smtClean="0"/>
+              <a:t>Azure Storage Tools</a:t>
+            </a:r>
+            <a:endParaRPr lang="en-US" dirty="0"/>
+          </a:p>
+        </p:txBody>
+      </p:sp>
+      <p:sp>
+        <p:nvSpPr>
+          <p:cNvPr id="3" name="Content Placeholder 2"/>
+          <p:cNvSpPr>
+            <a:spLocks noGrp="1"/>
+          </p:cNvSpPr>
+          <p:nvPr>
+            <p:ph idx="1"/>
+          </p:nvPr>
+        </p:nvSpPr>
+        <p:spPr>
+          <a:xfrm>
+            <a:off x="519248" y="1447800"/>
+            <a:ext cx="11151916" cy="1427699"/>
+          </a:xfrm>
+        </p:spPr>
+        <p:txBody>
+          <a:bodyPr/>
+          <a:lstStyle/>
+          <a:p>
+            <a:r>
+              <a:rPr lang="en-US" dirty="0" smtClean="0"/>
+              <a:t>Portal doesn't provide functionality for uploading blobs or generating shared-access signature tokens</a:t>
+            </a:r>
+          </a:p>
+          <a:p>
+            <a:r>
+              <a:rPr lang="en-US" dirty="0" smtClean="0"/>
+              <a:t>User free, third-party, cross-platform tools instead</a:t>
+            </a:r>
+          </a:p>
+        </p:txBody>
+      </p:sp>
+      <p:pic>
+        <p:nvPicPr>
+          <p:cNvPr id="4" name="Picture 3"/>
+          <p:cNvPicPr>
+            <a:picLocks noChangeAspect="1"/>
+          </p:cNvPicPr>
+          <p:nvPr/>
+        </p:nvPicPr>
+        <p:blipFill>
+          <a:blip r:embed="rId3"/>
+          <a:stretch>
+            <a:fillRect/>
+          </a:stretch>
+        </p:blipFill>
+        <p:spPr>
+          <a:xfrm>
+            <a:off x="5917739" y="3483443"/>
+            <a:ext cx="5045393" cy="2557149"/>
+          </a:xfrm>
+          <a:prstGeom prst="rect">
+            <a:avLst/>
+          </a:prstGeom>
+          <a:ln>
+            <a:noFill/>
+          </a:ln>
+          <a:effectLst>
+            <a:outerShdw blurRad="292100" dist="139700" dir="2700000" algn="tl" rotWithShape="0">
+              <a:srgbClr val="333333">
+                <a:alpha val="65000"/>
+              </a:srgbClr>
+            </a:outerShdw>
+          </a:effectLst>
+        </p:spPr>
+      </p:pic>
+      <p:sp>
+        <p:nvSpPr>
+          <p:cNvPr id="9" name="TextBox 8"/>
+          <p:cNvSpPr txBox="1"/>
+          <p:nvPr/>
+        </p:nvSpPr>
+        <p:spPr>
+          <a:xfrm>
+            <a:off x="5917738" y="3144889"/>
+            <a:ext cx="5045394" cy="276999"/>
+          </a:xfrm>
+          <a:prstGeom prst="rect">
+            <a:avLst/>
+          </a:prstGeom>
+          <a:noFill/>
+        </p:spPr>
+        <p:txBody>
+          <a:bodyPr wrap="square" lIns="0" tIns="0" rIns="0" bIns="0" rtlCol="0">
+            <a:spAutoFit/>
+          </a:bodyPr>
+          <a:lstStyle/>
+          <a:p>
+            <a:pPr algn="ctr">
+              <a:lnSpc>
+                <a:spcPct val="90000"/>
+              </a:lnSpc>
+              <a:spcBef>
+                <a:spcPct val="20000"/>
+              </a:spcBef>
+              <a:buSzPct val="80000"/>
+            </a:pPr>
+            <a:r>
+              <a:rPr lang="en-US" sz="2000" dirty="0" smtClean="0">
+                <a:latin typeface="Segoe UI Light" panose="020B0502040204020203" pitchFamily="34" charset="0"/>
+                <a:cs typeface="Segoe UI Light" panose="020B0502040204020203" pitchFamily="34" charset="0"/>
+              </a:rPr>
+              <a:t>Azure Command-Line Interface (CLI)</a:t>
+            </a:r>
+          </a:p>
+        </p:txBody>
+      </p:sp>
+      <p:pic>
+        <p:nvPicPr>
+          <p:cNvPr id="10" name="Picture 9"/>
+          <p:cNvPicPr>
+            <a:picLocks noChangeAspect="1"/>
+          </p:cNvPicPr>
+          <p:nvPr/>
+        </p:nvPicPr>
+        <p:blipFill>
+          <a:blip r:embed="rId4"/>
+          <a:stretch>
+            <a:fillRect/>
+          </a:stretch>
+        </p:blipFill>
+        <p:spPr>
+          <a:xfrm>
+            <a:off x="1014518" y="3483443"/>
+            <a:ext cx="4110142" cy="2561686"/>
+          </a:xfrm>
+          <a:prstGeom prst="rect">
+            <a:avLst/>
+          </a:prstGeom>
+          <a:ln>
+            <a:noFill/>
+          </a:ln>
+          <a:effectLst>
+            <a:outerShdw blurRad="292100" dist="139700" dir="2700000" algn="tl" rotWithShape="0">
+              <a:srgbClr val="333333">
+                <a:alpha val="65000"/>
+              </a:srgbClr>
+            </a:outerShdw>
+          </a:effectLst>
+        </p:spPr>
+      </p:pic>
+      <p:sp>
+        <p:nvSpPr>
+          <p:cNvPr id="11" name="TextBox 10"/>
+          <p:cNvSpPr txBox="1"/>
+          <p:nvPr/>
+        </p:nvSpPr>
+        <p:spPr>
+          <a:xfrm>
+            <a:off x="1049812" y="3144888"/>
+            <a:ext cx="4074848" cy="276999"/>
+          </a:xfrm>
+          <a:prstGeom prst="rect">
+            <a:avLst/>
+          </a:prstGeom>
+          <a:noFill/>
+        </p:spPr>
+        <p:txBody>
+          <a:bodyPr wrap="square" lIns="0" tIns="0" rIns="0" bIns="0" rtlCol="0">
+            <a:spAutoFit/>
+          </a:bodyPr>
+          <a:lstStyle/>
+          <a:p>
+            <a:pPr algn="ctr">
+              <a:lnSpc>
+                <a:spcPct val="90000"/>
+              </a:lnSpc>
+              <a:spcBef>
+                <a:spcPct val="20000"/>
+              </a:spcBef>
+              <a:buSzPct val="80000"/>
+            </a:pPr>
+            <a:r>
+              <a:rPr lang="en-US" sz="2000" dirty="0" smtClean="0">
+                <a:latin typeface="Segoe UI Light" panose="020B0502040204020203" pitchFamily="34" charset="0"/>
+                <a:cs typeface="Segoe UI Light" panose="020B0502040204020203" pitchFamily="34" charset="0"/>
+              </a:rPr>
+              <a:t>Microsoft Azure Storage Explorer</a:t>
+            </a:r>
+            <a:endParaRPr lang="en-US" sz="2000" dirty="0">
+              <a:latin typeface="Segoe UI Light" panose="020B0502040204020203" pitchFamily="34" charset="0"/>
+              <a:cs typeface="Segoe UI Light" panose="020B0502040204020203" pitchFamily="34" charset="0"/>
+            </a:endParaRPr>
+          </a:p>
+        </p:txBody>
+      </p:sp>
+    </p:spTree>
+    <p:extLst>
+      <p:ext uri="{BB962C8B-B14F-4D97-AF65-F5344CB8AC3E}">
+        <p14:creationId xmlns:p14="http://schemas.microsoft.com/office/powerpoint/2010/main" val="660934382"/>
+      </p:ext>
+    </p:extLst>
+  </p:cSld>
+  <p:clrMapOvr>
+    <a:masterClrMapping/>
+  </p:clrMapOvr>
+  <p:transition>
+    <p:fade/>
+  </p:transition>
+  <p:timing>
+    <p:tnLst>
+      <p:par>
+        <p:cTn id="1" dur="indefinite" restart="never" nodeType="tmRoot"/>
+      </p:par>
+    </p:tnLst>
+  </p:timing>
+</p:sld>
+</file>
+
+<file path=ppt/slides/slide9.xml><?xml version="1.0" encoding="utf-8"?>
+<p:sld xmlns:a="http://schemas.openxmlformats.org/drawingml/2006/main" xmlns:r="http://schemas.openxmlformats.org/officeDocument/2006/relationships" xmlns:p="http://schemas.openxmlformats.org/presentationml/2006/main">
+  <p:cSld>
+    <p:spTree>
+      <p:nvGrpSpPr>
+        <p:cNvPr id="1" name=""/>
+        <p:cNvGrpSpPr/>
+        <p:nvPr/>
+      </p:nvGrpSpPr>
+      <p:grpSpPr>
+        <a:xfrm>
+          <a:off x="0" y="0"/>
+          <a:ext cx="0" cy="0"/>
+          <a:chOff x="0" y="0"/>
+          <a:chExt cx="0" cy="0"/>
+        </a:xfrm>
+      </p:grpSpPr>
+      <p:sp>
+        <p:nvSpPr>
+          <p:cNvPr id="2" name="Title 1"/>
+          <p:cNvSpPr>
+            <a:spLocks noGrp="1"/>
+          </p:cNvSpPr>
+          <p:nvPr>
             <p:ph type="ctrTitle"/>
           </p:nvPr>
         </p:nvSpPr>
@@ -16009,22 +16744,8 @@
           <a:lstStyle/>
           <a:p>
             <a:r>
-              <a:rPr lang="en-US" dirty="0" err="1" smtClean="0"/>
-              <a:t>StorageHOL</a:t>
-            </a:r>
-            <a:r>
               <a:rPr lang="en-US" dirty="0" smtClean="0"/>
-              <a:t> (Azure CLI).html for Linux users</a:t>
-            </a:r>
-          </a:p>
-          <a:p>
-            <a:r>
-              <a:rPr lang="en-US" dirty="0" err="1" smtClean="0"/>
-              <a:t>StorageHOL</a:t>
-            </a:r>
-            <a:r>
-              <a:rPr lang="en-US" dirty="0" smtClean="0"/>
-              <a:t> (Storage Explorer).html for Windows and OS X users</a:t>
+              <a:t>Azure Storage HOL.html</a:t>
             </a:r>
             <a:endParaRPr lang="en-US" dirty="0"/>
           </a:p>
@@ -16047,11 +16768,7 @@
           <a:p>
             <a:r>
               <a:rPr lang="en-US" dirty="0" smtClean="0"/>
-              <a:t>Azure </a:t>
-            </a:r>
-            <a:r>
-              <a:rPr lang="en-US" dirty="0" smtClean="0"/>
-              <a:t>Storage</a:t>
+              <a:t>Using Azure Storage</a:t>
             </a:r>
             <a:endParaRPr lang="en-US" dirty="0"/>
           </a:p>
@@ -16070,39 +16787,13 @@
   <p:transition>
     <p:fade/>
   </p:transition>
-</p:sld>
-</file>
-
-<file path=ppt/slides/slide9.xml><?xml version="1.0" encoding="utf-8"?>
-<p:sld xmlns:a="http://schemas.openxmlformats.org/drawingml/2006/main" xmlns:r="http://schemas.openxmlformats.org/officeDocument/2006/relationships" xmlns:p="http://schemas.openxmlformats.org/presentationml/2006/main">
-  <p:cSld>
-    <p:spTree>
-      <p:nvGrpSpPr>
-        <p:cNvPr id="1" name=""/>
-        <p:cNvGrpSpPr/>
-        <p:nvPr/>
-      </p:nvGrpSpPr>
-      <p:grpSpPr>
-        <a:xfrm>
-          <a:off x="0" y="0"/>
-          <a:ext cx="0" cy="0"/>
-          <a:chOff x="0" y="0"/>
-          <a:chExt cx="0" cy="0"/>
-        </a:xfrm>
-      </p:grpSpPr>
-    </p:spTree>
-    <p:extLst>
-      <p:ext uri="{BB962C8B-B14F-4D97-AF65-F5344CB8AC3E}">
-        <p14:creationId xmlns:p14="http://schemas.microsoft.com/office/powerpoint/2010/main" val="2053561477"/>
-      </p:ext>
-    </p:extLst>
-  </p:cSld>
-  <p:clrMapOvr>
-    <a:masterClrMapping/>
-  </p:clrMapOvr>
-  <p:transition>
-    <p:fade/>
-  </p:transition>
+  <p:timing>
+    <p:tnLst>
+      <p:par>
+        <p:cTn id="1" dur="indefinite" restart="never" nodeType="tmRoot"/>
+      </p:par>
+    </p:tnLst>
+  </p:timing>
 </p:sld>
 </file>
 

--- a/Content/Storage/Azure Storage.pptx
+++ b/Content/Storage/Azure Storage.pptx
@@ -206,7 +206,7 @@
           <a:p>
             <a:fld id="{2E5CA586-3557-4985-BCD4-35EF5AC8B4A4}" type="datetimeFigureOut">
               <a:rPr lang="en-US" smtClean="0"/>
-              <a:t>2/8/2016</a:t>
+              <a:t>3/10/2016</a:t>
             </a:fld>
             <a:endParaRPr lang="en-US"/>
           </a:p>
@@ -15871,21 +15871,33 @@
             <a:pPr lvl="1"/>
             <a:r>
               <a:rPr lang="en-US" dirty="0" smtClean="0"/>
-              <a:t>Private – Blobs can't be read anonymously or enumerated</a:t>
+              <a:t>Private – Blobs can't be read </a:t>
+            </a:r>
+            <a:r>
+              <a:rPr lang="en-US" dirty="0"/>
+              <a:t>or enumerated </a:t>
+            </a:r>
+            <a:r>
+              <a:rPr lang="en-US" dirty="0" smtClean="0"/>
+              <a:t>anonymously</a:t>
             </a:r>
           </a:p>
           <a:p>
             <a:pPr lvl="1"/>
             <a:r>
               <a:rPr lang="en-US" dirty="0" smtClean="0"/>
-              <a:t>Public Container – Blobs can be read anonymously, but cannot be enumerated</a:t>
+              <a:t>Public Container – Blobs can be read and enumerated anonymously</a:t>
             </a:r>
           </a:p>
           <a:p>
             <a:pPr lvl="1"/>
             <a:r>
               <a:rPr lang="en-US" dirty="0" smtClean="0"/>
-              <a:t>Public Blob – Blobs can be read anonymously and enumerated</a:t>
+              <a:t>Public Blob – </a:t>
+            </a:r>
+            <a:r>
+              <a:rPr lang="en-US" dirty="0"/>
+              <a:t>Blobs can be read anonymously, but cannot be enumerated</a:t>
             </a:r>
           </a:p>
         </p:txBody>
@@ -16495,13 +16507,22 @@
           <a:p>
             <a:r>
               <a:rPr lang="en-US" dirty="0" smtClean="0"/>
-              <a:t>Portal doesn't provide functionality for uploading blobs or generating shared-access signature tokens</a:t>
-            </a:r>
-          </a:p>
-          <a:p>
+              <a:t>Portal doesn't provide functionality for uploading blobs or generating shared-access </a:t>
+            </a:r>
             <a:r>
               <a:rPr lang="en-US" dirty="0" smtClean="0"/>
-              <a:t>User free, third-party, cross-platform tools instead</a:t>
+              <a:t>signatures</a:t>
+            </a:r>
+            <a:endParaRPr lang="en-US" dirty="0" smtClean="0"/>
+          </a:p>
+          <a:p>
+            <a:r>
+              <a:rPr lang="en-US" dirty="0" smtClean="0"/>
+              <a:t>Use </a:t>
+            </a:r>
+            <a:r>
+              <a:rPr lang="en-US" dirty="0" smtClean="0"/>
+              <a:t>free, third-party, cross-platform tools instead</a:t>
             </a:r>
           </a:p>
         </p:txBody>

--- a/Content/Storage/Azure Storage.pptx
+++ b/Content/Storage/Azure Storage.pptx
@@ -5,19 +5,21 @@
     <p:sldMasterId id="2147483680" r:id="rId1"/>
   </p:sldMasterIdLst>
   <p:notesMasterIdLst>
-    <p:notesMasterId r:id="rId12"/>
+    <p:notesMasterId r:id="rId14"/>
   </p:notesMasterIdLst>
   <p:sldIdLst>
     <p:sldId id="256" r:id="rId2"/>
     <p:sldId id="286" r:id="rId3"/>
     <p:sldId id="280" r:id="rId4"/>
     <p:sldId id="281" r:id="rId5"/>
-    <p:sldId id="275" r:id="rId6"/>
-    <p:sldId id="276" r:id="rId7"/>
+    <p:sldId id="291" r:id="rId6"/>
+    <p:sldId id="292" r:id="rId7"/>
     <p:sldId id="287" r:id="rId8"/>
-    <p:sldId id="284" r:id="rId9"/>
-    <p:sldId id="271" r:id="rId10"/>
-    <p:sldId id="285" r:id="rId11"/>
+    <p:sldId id="293" r:id="rId9"/>
+    <p:sldId id="294" r:id="rId10"/>
+    <p:sldId id="284" r:id="rId11"/>
+    <p:sldId id="271" r:id="rId12"/>
+    <p:sldId id="285" r:id="rId13"/>
   </p:sldIdLst>
   <p:sldSz cx="12192000" cy="6858000"/>
   <p:notesSz cx="6858000" cy="9144000"/>
@@ -206,7 +208,7 @@
           <a:p>
             <a:fld id="{2E5CA586-3557-4985-BCD4-35EF5AC8B4A4}" type="datetimeFigureOut">
               <a:rPr lang="en-US" smtClean="0"/>
-              <a:t>3/10/2016</a:t>
+              <a:t>2/5/2017</a:t>
             </a:fld>
             <a:endParaRPr lang="en-US"/>
           </a:p>
@@ -519,14 +521,217 @@
           <a:lstStyle/>
           <a:p>
             <a:r>
-              <a:rPr lang="en-US" dirty="0" smtClean="0"/>
-              <a:t>One way to share information (blobs) with other researchers is to put the blobs you wish to share</a:t>
-            </a:r>
-            <a:r>
-              <a:rPr lang="en-US" baseline="0" dirty="0" smtClean="0"/>
-              <a:t> in a public container. But those blobs truly are public and can be accessed by anyone who knows their URLs.</a:t>
-            </a:r>
-            <a:endParaRPr lang="en-US" dirty="0"/>
+              <a:rPr lang="en-US" sz="1200" b="0" i="0" kern="1200" dirty="0" smtClean="0">
+                <a:solidFill>
+                  <a:schemeClr val="tx1"/>
+                </a:solidFill>
+                <a:effectLst/>
+                <a:latin typeface="+mn-lt"/>
+                <a:ea typeface="+mn-ea"/>
+                <a:cs typeface="+mn-cs"/>
+              </a:rPr>
+              <a:t>Microsoft Azure Storage is a set of services that allows you to store large volumes of data in a cost-effective manner and in a way that makes the data readily and reliably available to services and applications that consume it. Data committed to Azure Storage can be stored in blobs, tables, queues, or files. </a:t>
+            </a:r>
+            <a:r>
+              <a:rPr lang="en-US" sz="1200" b="0" i="0" u="none" strike="noStrike" kern="1200" dirty="0" smtClean="0">
+                <a:solidFill>
+                  <a:schemeClr val="tx1"/>
+                </a:solidFill>
+                <a:effectLst/>
+                <a:latin typeface="+mn-lt"/>
+                <a:ea typeface="+mn-ea"/>
+                <a:cs typeface="+mn-cs"/>
+                <a:hlinkClick r:id="rId3"/>
+              </a:rPr>
+              <a:t>Azure blobs</a:t>
+            </a:r>
+            <a:r>
+              <a:rPr lang="en-US" sz="1200" b="0" i="0" kern="1200" dirty="0" smtClean="0">
+                <a:solidFill>
+                  <a:schemeClr val="tx1"/>
+                </a:solidFill>
+                <a:effectLst/>
+                <a:latin typeface="+mn-lt"/>
+                <a:ea typeface="+mn-ea"/>
+                <a:cs typeface="+mn-cs"/>
+              </a:rPr>
+              <a:t> are ideal for storing images, videos, and other types of data, and are frequently used to provide input to and capture output from other Azure services such as </a:t>
+            </a:r>
+            <a:r>
+              <a:rPr lang="en-US" sz="1200" b="0" i="0" u="none" strike="noStrike" kern="1200" dirty="0" smtClean="0">
+                <a:solidFill>
+                  <a:schemeClr val="tx1"/>
+                </a:solidFill>
+                <a:effectLst/>
+                <a:latin typeface="+mn-lt"/>
+                <a:ea typeface="+mn-ea"/>
+                <a:cs typeface="+mn-cs"/>
+                <a:hlinkClick r:id="rId4"/>
+              </a:rPr>
+              <a:t>Azure Stream Analytics</a:t>
+            </a:r>
+            <a:r>
+              <a:rPr lang="en-US" sz="1200" b="0" i="0" kern="1200" dirty="0" smtClean="0">
+                <a:solidFill>
+                  <a:schemeClr val="tx1"/>
+                </a:solidFill>
+                <a:effectLst/>
+                <a:latin typeface="+mn-lt"/>
+                <a:ea typeface="+mn-ea"/>
+                <a:cs typeface="+mn-cs"/>
+              </a:rPr>
+              <a:t>. </a:t>
+            </a:r>
+            <a:r>
+              <a:rPr lang="en-US" sz="1200" b="0" i="0" u="none" strike="noStrike" kern="1200" dirty="0" smtClean="0">
+                <a:solidFill>
+                  <a:schemeClr val="tx1"/>
+                </a:solidFill>
+                <a:effectLst/>
+                <a:latin typeface="+mn-lt"/>
+                <a:ea typeface="+mn-ea"/>
+                <a:cs typeface="+mn-cs"/>
+                <a:hlinkClick r:id="rId5"/>
+              </a:rPr>
+              <a:t>Azure tables</a:t>
+            </a:r>
+            <a:r>
+              <a:rPr lang="en-US" sz="1200" b="0" i="0" kern="1200" dirty="0" smtClean="0">
+                <a:solidFill>
+                  <a:schemeClr val="tx1"/>
+                </a:solidFill>
+                <a:effectLst/>
+                <a:latin typeface="+mn-lt"/>
+                <a:ea typeface="+mn-ea"/>
+                <a:cs typeface="+mn-cs"/>
+              </a:rPr>
+              <a:t> provide NoSQL storage for semi-structured data. </a:t>
+            </a:r>
+            <a:r>
+              <a:rPr lang="en-US" sz="1200" b="0" i="0" u="none" strike="noStrike" kern="1200" dirty="0" smtClean="0">
+                <a:solidFill>
+                  <a:schemeClr val="tx1"/>
+                </a:solidFill>
+                <a:effectLst/>
+                <a:latin typeface="+mn-lt"/>
+                <a:ea typeface="+mn-ea"/>
+                <a:cs typeface="+mn-cs"/>
+                <a:hlinkClick r:id="rId6"/>
+              </a:rPr>
+              <a:t>Azure </a:t>
+            </a:r>
+            <a:r>
+              <a:rPr lang="en-US" sz="1200" b="0" i="0" u="none" strike="noStrike" kern="1200" dirty="0" err="1" smtClean="0">
+                <a:solidFill>
+                  <a:schemeClr val="tx1"/>
+                </a:solidFill>
+                <a:effectLst/>
+                <a:latin typeface="+mn-lt"/>
+                <a:ea typeface="+mn-ea"/>
+                <a:cs typeface="+mn-cs"/>
+                <a:hlinkClick r:id="rId6"/>
+              </a:rPr>
+              <a:t>queues</a:t>
+            </a:r>
+            <a:r>
+              <a:rPr lang="en-US" sz="1200" b="0" i="0" kern="1200" dirty="0" err="1" smtClean="0">
+                <a:solidFill>
+                  <a:schemeClr val="tx1"/>
+                </a:solidFill>
+                <a:effectLst/>
+                <a:latin typeface="+mn-lt"/>
+                <a:ea typeface="+mn-ea"/>
+                <a:cs typeface="+mn-cs"/>
+              </a:rPr>
+              <a:t>support</a:t>
+            </a:r>
+            <a:r>
+              <a:rPr lang="en-US" sz="1200" b="0" i="0" kern="1200" dirty="0" smtClean="0">
+                <a:solidFill>
+                  <a:schemeClr val="tx1"/>
+                </a:solidFill>
+                <a:effectLst/>
+                <a:latin typeface="+mn-lt"/>
+                <a:ea typeface="+mn-ea"/>
+                <a:cs typeface="+mn-cs"/>
+              </a:rPr>
+              <a:t> queued message transfers between applications (or parts of applications) and can be used to make applications more scalable and robust by loosely coupling them together. Finally, </a:t>
+            </a:r>
+            <a:r>
+              <a:rPr lang="en-US" sz="1200" b="0" i="0" u="none" strike="noStrike" kern="1200" dirty="0" smtClean="0">
+                <a:solidFill>
+                  <a:schemeClr val="tx1"/>
+                </a:solidFill>
+                <a:effectLst/>
+                <a:latin typeface="+mn-lt"/>
+                <a:ea typeface="+mn-ea"/>
+                <a:cs typeface="+mn-cs"/>
+                <a:hlinkClick r:id="rId7"/>
+              </a:rPr>
+              <a:t>Azure Files</a:t>
+            </a:r>
+            <a:r>
+              <a:rPr lang="en-US" sz="1200" b="0" i="0" kern="1200" dirty="0" smtClean="0">
+                <a:solidFill>
+                  <a:schemeClr val="tx1"/>
+                </a:solidFill>
+                <a:effectLst/>
+                <a:latin typeface="+mn-lt"/>
+                <a:ea typeface="+mn-ea"/>
+                <a:cs typeface="+mn-cs"/>
+              </a:rPr>
+              <a:t> use the Server Message Block (SMB) protocol to share files through the cloud and access storage as network drives.</a:t>
+            </a:r>
+          </a:p>
+          <a:p>
+            <a:endParaRPr lang="en-US" sz="1200" b="0" i="0" kern="1200" dirty="0" smtClean="0">
+              <a:solidFill>
+                <a:schemeClr val="tx1"/>
+              </a:solidFill>
+              <a:effectLst/>
+              <a:latin typeface="+mn-lt"/>
+              <a:ea typeface="+mn-ea"/>
+              <a:cs typeface="+mn-cs"/>
+            </a:endParaRPr>
+          </a:p>
+          <a:p>
+            <a:r>
+              <a:rPr lang="en-US" sz="1200" b="0" i="0" kern="1200" dirty="0" smtClean="0">
+                <a:solidFill>
+                  <a:schemeClr val="tx1"/>
+                </a:solidFill>
+                <a:effectLst/>
+                <a:latin typeface="+mn-lt"/>
+                <a:ea typeface="+mn-ea"/>
+                <a:cs typeface="+mn-cs"/>
+              </a:rPr>
+              <a:t>Data stored in Microsoft Azure Storage can be accessed over HTTP or HTTPS using straightforward REST APIs, or it can be accessed using rich client libraries available for many popular languages and platforms, including .NET, Java, Android, Node.js, PHP, Ruby, and Python. The </a:t>
+            </a:r>
+            <a:r>
+              <a:rPr lang="en-US" sz="1200" b="0" i="0" u="none" strike="noStrike" kern="1200" dirty="0" smtClean="0">
+                <a:solidFill>
+                  <a:schemeClr val="tx1"/>
+                </a:solidFill>
+                <a:effectLst/>
+                <a:latin typeface="+mn-lt"/>
+                <a:ea typeface="+mn-ea"/>
+                <a:cs typeface="+mn-cs"/>
+                <a:hlinkClick r:id="rId8"/>
+              </a:rPr>
+              <a:t>Azure Portal</a:t>
+            </a:r>
+            <a:r>
+              <a:rPr lang="en-US" sz="1200" b="0" i="0" kern="1200" dirty="0" smtClean="0">
+                <a:solidFill>
+                  <a:schemeClr val="tx1"/>
+                </a:solidFill>
+                <a:effectLst/>
+                <a:latin typeface="+mn-lt"/>
+                <a:ea typeface="+mn-ea"/>
+                <a:cs typeface="+mn-cs"/>
+              </a:rPr>
+              <a:t> includes features for working with Azure Storage, but richer functionality is available from third-party tools, many of which are free and some of which work cross-platform.</a:t>
+            </a:r>
           </a:p>
         </p:txBody>
       </p:sp>
@@ -547,7 +752,7 @@
           <a:p>
             <a:fld id="{BC60BE34-BC89-4C98-A56B-79B7A098D024}" type="slidenum">
               <a:rPr lang="en-US" smtClean="0"/>
-              <a:t>5</a:t>
+              <a:t>2</a:t>
             </a:fld>
             <a:endParaRPr lang="en-US"/>
           </a:p>
@@ -556,7 +761,7 @@
     </p:spTree>
     <p:extLst>
       <p:ext uri="{BB962C8B-B14F-4D97-AF65-F5344CB8AC3E}">
-        <p14:creationId xmlns:p14="http://schemas.microsoft.com/office/powerpoint/2010/main" val="2247308303"/>
+        <p14:creationId xmlns:p14="http://schemas.microsoft.com/office/powerpoint/2010/main" val="3333938875"/>
       </p:ext>
     </p:extLst>
   </p:cSld>
@@ -610,19 +815,32 @@
           <a:bodyPr/>
           <a:lstStyle/>
           <a:p>
+            <a:pPr marL="0" marR="0" lvl="0" indent="0" algn="l" defTabSz="914400" rtl="0" eaLnBrk="1" fontAlgn="auto" latinLnBrk="0" hangingPunct="1">
+              <a:lnSpc>
+                <a:spcPct val="100000"/>
+              </a:lnSpc>
+              <a:spcBef>
+                <a:spcPts val="0"/>
+              </a:spcBef>
+              <a:spcAft>
+                <a:spcPts val="0"/>
+              </a:spcAft>
+              <a:buClrTx/>
+              <a:buSzTx/>
+              <a:buFontTx/>
+              <a:buNone/>
+              <a:tabLst/>
+              <a:defRPr/>
+            </a:pPr>
             <a:r>
               <a:rPr lang="en-US" dirty="0" smtClean="0"/>
-              <a:t>Access keys should </a:t>
-            </a:r>
-            <a:r>
-              <a:rPr lang="en-US" u="sng" dirty="0" smtClean="0"/>
-              <a:t>never</a:t>
+              <a:t>Storage begins with a storage account, which can be created in the Azure Portal. Before you can create a blob, you must create a container to store it in. Think of containers as folders in a file system and blobs as the files themselves. Storage accounts must be uniquely named and conform</a:t>
             </a:r>
             <a:r>
               <a:rPr lang="en-US" baseline="0" dirty="0" smtClean="0"/>
-              <a:t> be handed out to other people because they provide unlimited access to a storage account. SAS tokens are safer because they can be time-limited and set to provide read-only access. The best way to generate a SAS token is with Microsoft's cross-platform Azure Storage Explorer.</a:t>
-            </a:r>
-            <a:endParaRPr lang="en-US" dirty="0"/>
+              <a:t> to a rather severe set of restrictions since storage names are used to form DNS names.</a:t>
+            </a:r>
+            <a:endParaRPr lang="en-US" dirty="0" smtClean="0"/>
           </a:p>
         </p:txBody>
       </p:sp>
@@ -643,7 +861,7 @@
           <a:p>
             <a:fld id="{BC60BE34-BC89-4C98-A56B-79B7A098D024}" type="slidenum">
               <a:rPr lang="en-US" smtClean="0"/>
-              <a:t>6</a:t>
+              <a:t>3</a:t>
             </a:fld>
             <a:endParaRPr lang="en-US"/>
           </a:p>
@@ -652,7 +870,7 @@
     </p:spTree>
     <p:extLst>
       <p:ext uri="{BB962C8B-B14F-4D97-AF65-F5344CB8AC3E}">
-        <p14:creationId xmlns:p14="http://schemas.microsoft.com/office/powerpoint/2010/main" val="871575163"/>
+        <p14:creationId xmlns:p14="http://schemas.microsoft.com/office/powerpoint/2010/main" val="3874253237"/>
       </p:ext>
     </p:extLst>
   </p:cSld>
@@ -706,7 +924,32 @@
           <a:bodyPr/>
           <a:lstStyle/>
           <a:p>
-            <a:endParaRPr lang="en-US" dirty="0"/>
+            <a:pPr marL="0" marR="0" lvl="0" indent="0" algn="l" defTabSz="914400" rtl="0" eaLnBrk="1" fontAlgn="auto" latinLnBrk="0" hangingPunct="1">
+              <a:lnSpc>
+                <a:spcPct val="100000"/>
+              </a:lnSpc>
+              <a:spcBef>
+                <a:spcPts val="0"/>
+              </a:spcBef>
+              <a:spcAft>
+                <a:spcPts val="0"/>
+              </a:spcAft>
+              <a:buClrTx/>
+              <a:buSzTx/>
+              <a:buFontTx/>
+              <a:buNone/>
+              <a:tabLst/>
+              <a:defRPr/>
+            </a:pPr>
+            <a:r>
+              <a:rPr lang="en-US" dirty="0" smtClean="0"/>
+              <a:t>Once created, a blob can be referenced by URL. The URL is formed from the storage-account name, container name, and blob name. This doesn't mean all blobs are public; they're private</a:t>
+            </a:r>
+            <a:r>
+              <a:rPr lang="en-US" baseline="0" dirty="0" smtClean="0"/>
+              <a:t> by default. But they can be made public, and public blobs can be downloaded simply by typing their URLs into a browser.</a:t>
+            </a:r>
+            <a:endParaRPr lang="en-US" dirty="0" smtClean="0"/>
           </a:p>
         </p:txBody>
       </p:sp>
@@ -727,7 +970,7 @@
           <a:p>
             <a:fld id="{BC60BE34-BC89-4C98-A56B-79B7A098D024}" type="slidenum">
               <a:rPr lang="en-US" smtClean="0"/>
-              <a:t>7</a:t>
+              <a:t>4</a:t>
             </a:fld>
             <a:endParaRPr lang="en-US"/>
           </a:p>
@@ -736,7 +979,7 @@
     </p:spTree>
     <p:extLst>
       <p:ext uri="{BB962C8B-B14F-4D97-AF65-F5344CB8AC3E}">
-        <p14:creationId xmlns:p14="http://schemas.microsoft.com/office/powerpoint/2010/main" val="3446626187"/>
+        <p14:creationId xmlns:p14="http://schemas.microsoft.com/office/powerpoint/2010/main" val="1524676249"/>
       </p:ext>
     </p:extLst>
   </p:cSld>
@@ -792,12 +1035,40 @@
           <a:p>
             <a:r>
               <a:rPr lang="en-US" dirty="0" smtClean="0"/>
-              <a:t>The Microsoft Azure Storage Explorer provides an easy-to-use</a:t>
-            </a:r>
-            <a:r>
-              <a:rPr lang="en-US" baseline="0" dirty="0" smtClean="0"/>
-              <a:t> GUI interface for creating containers, uploading and downloading blobs, generating SAS tokens, and more. But if you want to use a scripting language such as Bash or PowerShell to script storage operations, the Azure CLI is the way to go.</a:t>
-            </a:r>
+              <a:t>Locally redundant storage (LRS) maintains three copies of your data. LRS is replicated three times within a single facility in a single region. LRS protects your data from normal hardware failures, but not from the failure of a single facility. </a:t>
+            </a:r>
+          </a:p>
+          <a:p>
+            <a:endParaRPr lang="en-US" b="1" dirty="0" smtClean="0"/>
+          </a:p>
+          <a:p>
+            <a:r>
+              <a:rPr lang="en-US" dirty="0" smtClean="0"/>
+              <a:t>Zone-redundant storage (ZRS) maintains three copies of your data. ZRS is replicated three times across two to three facilities, either within a single region or across two regions, providing higher durability than LRS. ZRS ensures that your data is durable within a single region. </a:t>
+            </a:r>
+          </a:p>
+          <a:p>
+            <a:endParaRPr lang="en-US" dirty="0" smtClean="0"/>
+          </a:p>
+          <a:p>
+            <a:r>
+              <a:rPr lang="en-US" dirty="0" smtClean="0"/>
+              <a:t>Geo-redundant storage (GRS) is enabled for your storage account by default when you create it. GRS maintains six copies of your data. With GRS, your data is replicated three times within the primary region, and is also replicated three times in a secondary region hundreds of miles away from the primary region, providing the highest level of durability. In the event of a failure at the primary region, Azure Storage will failover to the secondary region. GRS ensures that your data is durable in two separate regions.</a:t>
+            </a:r>
+          </a:p>
+          <a:p>
+            <a:endParaRPr lang="en-US" dirty="0" smtClean="0"/>
+          </a:p>
+          <a:p>
+            <a:r>
+              <a:rPr lang="en-US" dirty="0" smtClean="0"/>
+              <a:t>Read access geo-redundant storage (RA-GRS) replicates your data to a secondary geographic location, and also provides read access to your data in the secondary location. Read-access geo-redundant storage allows you to access your data from either the primary or the secondary location, in the event that one location becomes unavailable.</a:t>
+            </a:r>
+          </a:p>
+          <a:p>
+            <a:endParaRPr lang="en-US" dirty="0" smtClean="0"/>
+          </a:p>
+          <a:p>
             <a:endParaRPr lang="en-US" dirty="0"/>
           </a:p>
         </p:txBody>
@@ -819,7 +1090,539 @@
           <a:p>
             <a:fld id="{BC60BE34-BC89-4C98-A56B-79B7A098D024}" type="slidenum">
               <a:rPr lang="en-US" smtClean="0"/>
+              <a:t>5</a:t>
+            </a:fld>
+            <a:endParaRPr lang="en-US"/>
+          </a:p>
+        </p:txBody>
+      </p:sp>
+    </p:spTree>
+    <p:extLst>
+      <p:ext uri="{BB962C8B-B14F-4D97-AF65-F5344CB8AC3E}">
+        <p14:creationId xmlns:p14="http://schemas.microsoft.com/office/powerpoint/2010/main" val="2230447395"/>
+      </p:ext>
+    </p:extLst>
+  </p:cSld>
+  <p:clrMapOvr>
+    <a:masterClrMapping/>
+  </p:clrMapOvr>
+</p:notes>
+</file>
+
+<file path=ppt/notesSlides/notesSlide5.xml><?xml version="1.0" encoding="utf-8"?>
+<p:notes xmlns:a="http://schemas.openxmlformats.org/drawingml/2006/main" xmlns:r="http://schemas.openxmlformats.org/officeDocument/2006/relationships" xmlns:p="http://schemas.openxmlformats.org/presentationml/2006/main">
+  <p:cSld>
+    <p:spTree>
+      <p:nvGrpSpPr>
+        <p:cNvPr id="1" name=""/>
+        <p:cNvGrpSpPr/>
+        <p:nvPr/>
+      </p:nvGrpSpPr>
+      <p:grpSpPr>
+        <a:xfrm>
+          <a:off x="0" y="0"/>
+          <a:ext cx="0" cy="0"/>
+          <a:chOff x="0" y="0"/>
+          <a:chExt cx="0" cy="0"/>
+        </a:xfrm>
+      </p:grpSpPr>
+      <p:sp>
+        <p:nvSpPr>
+          <p:cNvPr id="2" name="Slide Image Placeholder 1"/>
+          <p:cNvSpPr>
+            <a:spLocks noGrp="1" noRot="1" noChangeAspect="1"/>
+          </p:cNvSpPr>
+          <p:nvPr>
+            <p:ph type="sldImg"/>
+          </p:nvPr>
+        </p:nvSpPr>
+        <p:spPr/>
+      </p:sp>
+      <p:sp>
+        <p:nvSpPr>
+          <p:cNvPr id="3" name="Notes Placeholder 2"/>
+          <p:cNvSpPr>
+            <a:spLocks noGrp="1"/>
+          </p:cNvSpPr>
+          <p:nvPr>
+            <p:ph type="body" idx="1"/>
+          </p:nvPr>
+        </p:nvSpPr>
+        <p:spPr/>
+        <p:txBody>
+          <a:bodyPr/>
+          <a:lstStyle/>
+          <a:p>
+            <a:pPr marL="0" marR="0" lvl="0" indent="0" algn="l" defTabSz="914400" rtl="0" eaLnBrk="1" fontAlgn="auto" latinLnBrk="0" hangingPunct="1">
+              <a:lnSpc>
+                <a:spcPct val="100000"/>
+              </a:lnSpc>
+              <a:spcBef>
+                <a:spcPts val="0"/>
+              </a:spcBef>
+              <a:spcAft>
+                <a:spcPts val="0"/>
+              </a:spcAft>
+              <a:buClrTx/>
+              <a:buSzTx/>
+              <a:buFontTx/>
+              <a:buNone/>
+              <a:tabLst/>
+              <a:defRPr/>
+            </a:pPr>
+            <a:r>
+              <a:rPr lang="en-US" dirty="0" smtClean="0"/>
+              <a:t>Access keys should </a:t>
+            </a:r>
+            <a:r>
+              <a:rPr lang="en-US" u="sng" dirty="0" smtClean="0"/>
+              <a:t>never</a:t>
+            </a:r>
+            <a:r>
+              <a:rPr lang="en-US" baseline="0" dirty="0" smtClean="0"/>
+              <a:t> be handed out to other people because they provide unrestricted access to a storage account. (They're useful for connecting other services that you create to your storage accounts, in which case they stay in Azure and are never divulged to the outside world.) SAS tokens are safer because they can be time-limited and set to provide read-only access. The best way to generate a SAS token is with Microsoft's cross-platform Azure Storage Explorer. For a real-world example of what happens when you fail to protect a storage account's access keys, see http://www.pcworld.com/article/2365602/hacker-puts-full-redundancy-codehosting-firm-out-of-business.html.</a:t>
+            </a:r>
+            <a:endParaRPr lang="en-US" dirty="0" smtClean="0"/>
+          </a:p>
+        </p:txBody>
+      </p:sp>
+      <p:sp>
+        <p:nvSpPr>
+          <p:cNvPr id="4" name="Slide Number Placeholder 3"/>
+          <p:cNvSpPr>
+            <a:spLocks noGrp="1"/>
+          </p:cNvSpPr>
+          <p:nvPr>
+            <p:ph type="sldNum" sz="quarter" idx="10"/>
+          </p:nvPr>
+        </p:nvSpPr>
+        <p:spPr/>
+        <p:txBody>
+          <a:bodyPr/>
+          <a:lstStyle/>
+          <a:p>
+            <a:fld id="{BC60BE34-BC89-4C98-A56B-79B7A098D024}" type="slidenum">
+              <a:rPr lang="en-US" smtClean="0"/>
+              <a:t>6</a:t>
+            </a:fld>
+            <a:endParaRPr lang="en-US"/>
+          </a:p>
+        </p:txBody>
+      </p:sp>
+    </p:spTree>
+    <p:extLst>
+      <p:ext uri="{BB962C8B-B14F-4D97-AF65-F5344CB8AC3E}">
+        <p14:creationId xmlns:p14="http://schemas.microsoft.com/office/powerpoint/2010/main" val="506640367"/>
+      </p:ext>
+    </p:extLst>
+  </p:cSld>
+  <p:clrMapOvr>
+    <a:masterClrMapping/>
+  </p:clrMapOvr>
+</p:notes>
+</file>
+
+<file path=ppt/notesSlides/notesSlide6.xml><?xml version="1.0" encoding="utf-8"?>
+<p:notes xmlns:a="http://schemas.openxmlformats.org/drawingml/2006/main" xmlns:r="http://schemas.openxmlformats.org/officeDocument/2006/relationships" xmlns:p="http://schemas.openxmlformats.org/presentationml/2006/main">
+  <p:cSld>
+    <p:spTree>
+      <p:nvGrpSpPr>
+        <p:cNvPr id="1" name=""/>
+        <p:cNvGrpSpPr/>
+        <p:nvPr/>
+      </p:nvGrpSpPr>
+      <p:grpSpPr>
+        <a:xfrm>
+          <a:off x="0" y="0"/>
+          <a:ext cx="0" cy="0"/>
+          <a:chOff x="0" y="0"/>
+          <a:chExt cx="0" cy="0"/>
+        </a:xfrm>
+      </p:grpSpPr>
+      <p:sp>
+        <p:nvSpPr>
+          <p:cNvPr id="2" name="Slide Image Placeholder 1"/>
+          <p:cNvSpPr>
+            <a:spLocks noGrp="1" noRot="1" noChangeAspect="1"/>
+          </p:cNvSpPr>
+          <p:nvPr>
+            <p:ph type="sldImg"/>
+          </p:nvPr>
+        </p:nvSpPr>
+        <p:spPr/>
+      </p:sp>
+      <p:sp>
+        <p:nvSpPr>
+          <p:cNvPr id="3" name="Notes Placeholder 2"/>
+          <p:cNvSpPr>
+            <a:spLocks noGrp="1"/>
+          </p:cNvSpPr>
+          <p:nvPr>
+            <p:ph type="body" idx="1"/>
+          </p:nvPr>
+        </p:nvSpPr>
+        <p:spPr/>
+        <p:txBody>
+          <a:bodyPr/>
+          <a:lstStyle/>
+          <a:p>
+            <a:pPr marL="0" marR="0" lvl="0" indent="0" algn="l" defTabSz="914400" rtl="0" eaLnBrk="1" fontAlgn="auto" latinLnBrk="0" hangingPunct="1">
+              <a:lnSpc>
+                <a:spcPct val="100000"/>
+              </a:lnSpc>
+              <a:spcBef>
+                <a:spcPts val="0"/>
+              </a:spcBef>
+              <a:spcAft>
+                <a:spcPts val="0"/>
+              </a:spcAft>
+              <a:buClrTx/>
+              <a:buSzTx/>
+              <a:buFontTx/>
+              <a:buNone/>
+              <a:tabLst/>
+              <a:defRPr/>
+            </a:pPr>
+            <a:r>
+              <a:rPr lang="en-US" dirty="0" smtClean="0"/>
+              <a:t>This</a:t>
+            </a:r>
+            <a:r>
+              <a:rPr lang="en-US" baseline="0" dirty="0" smtClean="0"/>
+              <a:t> example shows how a SAS included in a query string can be used to provide access to an otherwise private blob. Could someone modify the query string to extend the lifetime of the SAS? They could try, but the SAS is digitally signed, so Azure will reject a modified SAS.</a:t>
+            </a:r>
+            <a:endParaRPr lang="en-US" dirty="0" smtClean="0"/>
+          </a:p>
+        </p:txBody>
+      </p:sp>
+      <p:sp>
+        <p:nvSpPr>
+          <p:cNvPr id="4" name="Slide Number Placeholder 3"/>
+          <p:cNvSpPr>
+            <a:spLocks noGrp="1"/>
+          </p:cNvSpPr>
+          <p:nvPr>
+            <p:ph type="sldNum" sz="quarter" idx="10"/>
+          </p:nvPr>
+        </p:nvSpPr>
+        <p:spPr/>
+        <p:txBody>
+          <a:bodyPr/>
+          <a:lstStyle/>
+          <a:p>
+            <a:fld id="{BC60BE34-BC89-4C98-A56B-79B7A098D024}" type="slidenum">
+              <a:rPr lang="en-US" smtClean="0"/>
+              <a:t>7</a:t>
+            </a:fld>
+            <a:endParaRPr lang="en-US"/>
+          </a:p>
+        </p:txBody>
+      </p:sp>
+    </p:spTree>
+    <p:extLst>
+      <p:ext uri="{BB962C8B-B14F-4D97-AF65-F5344CB8AC3E}">
+        <p14:creationId xmlns:p14="http://schemas.microsoft.com/office/powerpoint/2010/main" val="3446626187"/>
+      </p:ext>
+    </p:extLst>
+  </p:cSld>
+  <p:clrMapOvr>
+    <a:masterClrMapping/>
+  </p:clrMapOvr>
+</p:notes>
+</file>
+
+<file path=ppt/notesSlides/notesSlide7.xml><?xml version="1.0" encoding="utf-8"?>
+<p:notes xmlns:a="http://schemas.openxmlformats.org/drawingml/2006/main" xmlns:r="http://schemas.openxmlformats.org/officeDocument/2006/relationships" xmlns:p="http://schemas.openxmlformats.org/presentationml/2006/main">
+  <p:cSld>
+    <p:spTree>
+      <p:nvGrpSpPr>
+        <p:cNvPr id="1" name=""/>
+        <p:cNvGrpSpPr/>
+        <p:nvPr/>
+      </p:nvGrpSpPr>
+      <p:grpSpPr>
+        <a:xfrm>
+          <a:off x="0" y="0"/>
+          <a:ext cx="0" cy="0"/>
+          <a:chOff x="0" y="0"/>
+          <a:chExt cx="0" cy="0"/>
+        </a:xfrm>
+      </p:grpSpPr>
+      <p:sp>
+        <p:nvSpPr>
+          <p:cNvPr id="2" name="Slide Image Placeholder 1"/>
+          <p:cNvSpPr>
+            <a:spLocks noGrp="1" noRot="1" noChangeAspect="1"/>
+          </p:cNvSpPr>
+          <p:nvPr>
+            <p:ph type="sldImg"/>
+          </p:nvPr>
+        </p:nvSpPr>
+        <p:spPr/>
+      </p:sp>
+      <p:sp>
+        <p:nvSpPr>
+          <p:cNvPr id="3" name="Notes Placeholder 2"/>
+          <p:cNvSpPr>
+            <a:spLocks noGrp="1"/>
+          </p:cNvSpPr>
+          <p:nvPr>
+            <p:ph type="body" idx="1"/>
+          </p:nvPr>
+        </p:nvSpPr>
+        <p:spPr/>
+        <p:txBody>
+          <a:bodyPr/>
+          <a:lstStyle/>
+          <a:p>
+            <a:pPr marL="0" marR="0" lvl="0" indent="0" algn="l" defTabSz="914400" rtl="0" eaLnBrk="1" fontAlgn="auto" latinLnBrk="0" hangingPunct="1">
+              <a:lnSpc>
+                <a:spcPct val="100000"/>
+              </a:lnSpc>
+              <a:spcBef>
+                <a:spcPts val="0"/>
+              </a:spcBef>
+              <a:spcAft>
+                <a:spcPts val="0"/>
+              </a:spcAft>
+              <a:buClrTx/>
+              <a:buSzTx/>
+              <a:buFontTx/>
+              <a:buNone/>
+              <a:tabLst/>
+              <a:defRPr/>
+            </a:pPr>
+            <a:r>
+              <a:rPr lang="en-US" dirty="0" smtClean="0"/>
+              <a:t>Containers are private by default, which means only the storage-account owner (or someone who has an</a:t>
+            </a:r>
+            <a:r>
+              <a:rPr lang="en-US" baseline="0" dirty="0" smtClean="0"/>
+              <a:t> access key for the storage account or a valid SAS) can access its contents. However, setting the container's access policy to "Public Container" or "Public Blob" makes the container's blobs public. The difference between "Public Container" and "Public Blob" is that the latter allows the blobs in the container to be enumerated, while the latter does not.</a:t>
+            </a:r>
+            <a:endParaRPr lang="en-US" dirty="0" smtClean="0"/>
+          </a:p>
+        </p:txBody>
+      </p:sp>
+      <p:sp>
+        <p:nvSpPr>
+          <p:cNvPr id="4" name="Slide Number Placeholder 3"/>
+          <p:cNvSpPr>
+            <a:spLocks noGrp="1"/>
+          </p:cNvSpPr>
+          <p:nvPr>
+            <p:ph type="sldNum" sz="quarter" idx="10"/>
+          </p:nvPr>
+        </p:nvSpPr>
+        <p:spPr/>
+        <p:txBody>
+          <a:bodyPr/>
+          <a:lstStyle/>
+          <a:p>
+            <a:fld id="{BC60BE34-BC89-4C98-A56B-79B7A098D024}" type="slidenum">
+              <a:rPr lang="en-US" smtClean="0"/>
               <a:t>8</a:t>
+            </a:fld>
+            <a:endParaRPr lang="en-US"/>
+          </a:p>
+        </p:txBody>
+      </p:sp>
+    </p:spTree>
+    <p:extLst>
+      <p:ext uri="{BB962C8B-B14F-4D97-AF65-F5344CB8AC3E}">
+        <p14:creationId xmlns:p14="http://schemas.microsoft.com/office/powerpoint/2010/main" val="1397636317"/>
+      </p:ext>
+    </p:extLst>
+  </p:cSld>
+  <p:clrMapOvr>
+    <a:masterClrMapping/>
+  </p:clrMapOvr>
+</p:notes>
+</file>
+
+<file path=ppt/notesSlides/notesSlide8.xml><?xml version="1.0" encoding="utf-8"?>
+<p:notes xmlns:a="http://schemas.openxmlformats.org/drawingml/2006/main" xmlns:r="http://schemas.openxmlformats.org/officeDocument/2006/relationships" xmlns:p="http://schemas.openxmlformats.org/presentationml/2006/main">
+  <p:cSld>
+    <p:spTree>
+      <p:nvGrpSpPr>
+        <p:cNvPr id="1" name=""/>
+        <p:cNvGrpSpPr/>
+        <p:nvPr/>
+      </p:nvGrpSpPr>
+      <p:grpSpPr>
+        <a:xfrm>
+          <a:off x="0" y="0"/>
+          <a:ext cx="0" cy="0"/>
+          <a:chOff x="0" y="0"/>
+          <a:chExt cx="0" cy="0"/>
+        </a:xfrm>
+      </p:grpSpPr>
+      <p:sp>
+        <p:nvSpPr>
+          <p:cNvPr id="2" name="Slide Image Placeholder 1"/>
+          <p:cNvSpPr>
+            <a:spLocks noGrp="1" noRot="1" noChangeAspect="1"/>
+          </p:cNvSpPr>
+          <p:nvPr>
+            <p:ph type="sldImg"/>
+          </p:nvPr>
+        </p:nvSpPr>
+        <p:spPr/>
+      </p:sp>
+      <p:sp>
+        <p:nvSpPr>
+          <p:cNvPr id="3" name="Notes Placeholder 2"/>
+          <p:cNvSpPr>
+            <a:spLocks noGrp="1"/>
+          </p:cNvSpPr>
+          <p:nvPr>
+            <p:ph type="body" idx="1"/>
+          </p:nvPr>
+        </p:nvSpPr>
+        <p:spPr/>
+        <p:txBody>
+          <a:bodyPr/>
+          <a:lstStyle/>
+          <a:p>
+            <a:pPr marL="0" marR="0" lvl="0" indent="0" algn="l" defTabSz="914400" rtl="0" eaLnBrk="1" fontAlgn="auto" latinLnBrk="0" hangingPunct="1">
+              <a:lnSpc>
+                <a:spcPct val="100000"/>
+              </a:lnSpc>
+              <a:spcBef>
+                <a:spcPts val="0"/>
+              </a:spcBef>
+              <a:spcAft>
+                <a:spcPts val="0"/>
+              </a:spcAft>
+              <a:buClrTx/>
+              <a:buSzTx/>
+              <a:buFontTx/>
+              <a:buNone/>
+              <a:tabLst/>
+              <a:defRPr/>
+            </a:pPr>
+            <a:r>
+              <a:rPr lang="en-US" dirty="0" smtClean="0"/>
+              <a:t>Most blobs are block blobs. Page blobs are for VHDs and are used for VMs created in Azure. Most tools that let you create blobs --</a:t>
+            </a:r>
+            <a:r>
+              <a:rPr lang="en-US" baseline="0" dirty="0" smtClean="0"/>
+              <a:t> for example, the Microsoft Azure Storage Explorer -- let you specify the blob type. APIs for creating blobs also let you specify the blob type.</a:t>
+            </a:r>
+            <a:endParaRPr lang="en-US" dirty="0" smtClean="0"/>
+          </a:p>
+        </p:txBody>
+      </p:sp>
+      <p:sp>
+        <p:nvSpPr>
+          <p:cNvPr id="4" name="Slide Number Placeholder 3"/>
+          <p:cNvSpPr>
+            <a:spLocks noGrp="1"/>
+          </p:cNvSpPr>
+          <p:nvPr>
+            <p:ph type="sldNum" sz="quarter" idx="10"/>
+          </p:nvPr>
+        </p:nvSpPr>
+        <p:spPr/>
+        <p:txBody>
+          <a:bodyPr/>
+          <a:lstStyle/>
+          <a:p>
+            <a:fld id="{BC60BE34-BC89-4C98-A56B-79B7A098D024}" type="slidenum">
+              <a:rPr lang="en-US" smtClean="0"/>
+              <a:t>9</a:t>
+            </a:fld>
+            <a:endParaRPr lang="en-US"/>
+          </a:p>
+        </p:txBody>
+      </p:sp>
+    </p:spTree>
+    <p:extLst>
+      <p:ext uri="{BB962C8B-B14F-4D97-AF65-F5344CB8AC3E}">
+        <p14:creationId xmlns:p14="http://schemas.microsoft.com/office/powerpoint/2010/main" val="516321757"/>
+      </p:ext>
+    </p:extLst>
+  </p:cSld>
+  <p:clrMapOvr>
+    <a:masterClrMapping/>
+  </p:clrMapOvr>
+</p:notes>
+</file>
+
+<file path=ppt/notesSlides/notesSlide9.xml><?xml version="1.0" encoding="utf-8"?>
+<p:notes xmlns:a="http://schemas.openxmlformats.org/drawingml/2006/main" xmlns:r="http://schemas.openxmlformats.org/officeDocument/2006/relationships" xmlns:p="http://schemas.openxmlformats.org/presentationml/2006/main">
+  <p:cSld>
+    <p:spTree>
+      <p:nvGrpSpPr>
+        <p:cNvPr id="1" name=""/>
+        <p:cNvGrpSpPr/>
+        <p:nvPr/>
+      </p:nvGrpSpPr>
+      <p:grpSpPr>
+        <a:xfrm>
+          <a:off x="0" y="0"/>
+          <a:ext cx="0" cy="0"/>
+          <a:chOff x="0" y="0"/>
+          <a:chExt cx="0" cy="0"/>
+        </a:xfrm>
+      </p:grpSpPr>
+      <p:sp>
+        <p:nvSpPr>
+          <p:cNvPr id="2" name="Slide Image Placeholder 1"/>
+          <p:cNvSpPr>
+            <a:spLocks noGrp="1" noRot="1" noChangeAspect="1"/>
+          </p:cNvSpPr>
+          <p:nvPr>
+            <p:ph type="sldImg"/>
+          </p:nvPr>
+        </p:nvSpPr>
+        <p:spPr/>
+      </p:sp>
+      <p:sp>
+        <p:nvSpPr>
+          <p:cNvPr id="3" name="Notes Placeholder 2"/>
+          <p:cNvSpPr>
+            <a:spLocks noGrp="1"/>
+          </p:cNvSpPr>
+          <p:nvPr>
+            <p:ph type="body" idx="1"/>
+          </p:nvPr>
+        </p:nvSpPr>
+        <p:spPr/>
+        <p:txBody>
+          <a:bodyPr/>
+          <a:lstStyle/>
+          <a:p>
+            <a:r>
+              <a:rPr lang="en-US" dirty="0" smtClean="0"/>
+              <a:t>The Microsoft Azure Storage Explorer provides an easy-to-use</a:t>
+            </a:r>
+            <a:r>
+              <a:rPr lang="en-US" baseline="0" dirty="0" smtClean="0"/>
+              <a:t> GUI interface for creating containers, uploading and downloading blobs, generating SAS tokens, and more. But if you want to use a scripting language such as Bash or PowerShell to script storage operations, the Azure CLI is the way to go.</a:t>
+            </a:r>
+            <a:endParaRPr lang="en-US" dirty="0"/>
+          </a:p>
+        </p:txBody>
+      </p:sp>
+      <p:sp>
+        <p:nvSpPr>
+          <p:cNvPr id="4" name="Slide Number Placeholder 3"/>
+          <p:cNvSpPr>
+            <a:spLocks noGrp="1"/>
+          </p:cNvSpPr>
+          <p:nvPr>
+            <p:ph type="sldNum" sz="quarter" idx="10"/>
+          </p:nvPr>
+        </p:nvSpPr>
+        <p:spPr/>
+        <p:txBody>
+          <a:bodyPr/>
+          <a:lstStyle/>
+          <a:p>
+            <a:fld id="{BC60BE34-BC89-4C98-A56B-79B7A098D024}" type="slidenum">
+              <a:rPr lang="en-US" smtClean="0"/>
+              <a:t>10</a:t>
             </a:fld>
             <a:endParaRPr lang="en-US"/>
           </a:p>
@@ -11728,6 +12531,255 @@
           <a:chExt cx="0" cy="0"/>
         </a:xfrm>
       </p:grpSpPr>
+      <p:sp>
+        <p:nvSpPr>
+          <p:cNvPr id="2" name="Title 1"/>
+          <p:cNvSpPr>
+            <a:spLocks noGrp="1"/>
+          </p:cNvSpPr>
+          <p:nvPr>
+            <p:ph type="title"/>
+          </p:nvPr>
+        </p:nvSpPr>
+        <p:spPr/>
+        <p:txBody>
+          <a:bodyPr/>
+          <a:lstStyle/>
+          <a:p>
+            <a:r>
+              <a:rPr lang="en-US" dirty="0" smtClean="0"/>
+              <a:t>Azure Storage </a:t>
+            </a:r>
+            <a:r>
+              <a:rPr lang="en-US" dirty="0" smtClean="0"/>
+              <a:t>Explorer</a:t>
+            </a:r>
+            <a:endParaRPr lang="en-US" dirty="0"/>
+          </a:p>
+        </p:txBody>
+      </p:sp>
+      <p:sp>
+        <p:nvSpPr>
+          <p:cNvPr id="3" name="Content Placeholder 2"/>
+          <p:cNvSpPr>
+            <a:spLocks noGrp="1"/>
+          </p:cNvSpPr>
+          <p:nvPr>
+            <p:ph idx="1"/>
+          </p:nvPr>
+        </p:nvSpPr>
+        <p:spPr>
+          <a:xfrm>
+            <a:off x="519247" y="1447800"/>
+            <a:ext cx="11249199" cy="984629"/>
+          </a:xfrm>
+        </p:spPr>
+        <p:txBody>
+          <a:bodyPr/>
+          <a:lstStyle/>
+          <a:p>
+            <a:r>
+              <a:rPr lang="en-US" dirty="0" smtClean="0"/>
+              <a:t>Free cross-platform tool for managing Azure Storage</a:t>
+            </a:r>
+          </a:p>
+          <a:p>
+            <a:r>
+              <a:rPr lang="en-US" dirty="0"/>
+              <a:t>http://storageexplorer.com/</a:t>
+            </a:r>
+            <a:endParaRPr lang="en-US" dirty="0" smtClean="0"/>
+          </a:p>
+        </p:txBody>
+      </p:sp>
+      <p:pic>
+        <p:nvPicPr>
+          <p:cNvPr id="5" name="Picture 4"/>
+          <p:cNvPicPr>
+            <a:picLocks noChangeAspect="1"/>
+          </p:cNvPicPr>
+          <p:nvPr/>
+        </p:nvPicPr>
+        <p:blipFill>
+          <a:blip r:embed="rId3"/>
+          <a:stretch>
+            <a:fillRect/>
+          </a:stretch>
+        </p:blipFill>
+        <p:spPr>
+          <a:xfrm>
+            <a:off x="3447857" y="2813463"/>
+            <a:ext cx="5294700" cy="3528254"/>
+          </a:xfrm>
+          <a:prstGeom prst="rect">
+            <a:avLst/>
+          </a:prstGeom>
+          <a:ln>
+            <a:noFill/>
+          </a:ln>
+          <a:effectLst>
+            <a:outerShdw blurRad="292100" dist="139700" dir="2700000" algn="tl" rotWithShape="0">
+              <a:srgbClr val="333333">
+                <a:alpha val="65000"/>
+              </a:srgbClr>
+            </a:outerShdw>
+          </a:effectLst>
+        </p:spPr>
+      </p:pic>
+    </p:spTree>
+    <p:extLst>
+      <p:ext uri="{BB962C8B-B14F-4D97-AF65-F5344CB8AC3E}">
+        <p14:creationId xmlns:p14="http://schemas.microsoft.com/office/powerpoint/2010/main" val="660934382"/>
+      </p:ext>
+    </p:extLst>
+  </p:cSld>
+  <p:clrMapOvr>
+    <a:masterClrMapping/>
+  </p:clrMapOvr>
+  <p:transition>
+    <p:fade/>
+  </p:transition>
+  <p:timing>
+    <p:tnLst>
+      <p:par>
+        <p:cTn id="1" dur="indefinite" restart="never" nodeType="tmRoot"/>
+      </p:par>
+    </p:tnLst>
+  </p:timing>
+</p:sld>
+</file>
+
+<file path=ppt/slides/slide11.xml><?xml version="1.0" encoding="utf-8"?>
+<p:sld xmlns:a="http://schemas.openxmlformats.org/drawingml/2006/main" xmlns:r="http://schemas.openxmlformats.org/officeDocument/2006/relationships" xmlns:p="http://schemas.openxmlformats.org/presentationml/2006/main">
+  <p:cSld>
+    <p:spTree>
+      <p:nvGrpSpPr>
+        <p:cNvPr id="1" name=""/>
+        <p:cNvGrpSpPr/>
+        <p:nvPr/>
+      </p:nvGrpSpPr>
+      <p:grpSpPr>
+        <a:xfrm>
+          <a:off x="0" y="0"/>
+          <a:ext cx="0" cy="0"/>
+          <a:chOff x="0" y="0"/>
+          <a:chExt cx="0" cy="0"/>
+        </a:xfrm>
+      </p:grpSpPr>
+      <p:sp>
+        <p:nvSpPr>
+          <p:cNvPr id="2" name="Title 1"/>
+          <p:cNvSpPr>
+            <a:spLocks noGrp="1"/>
+          </p:cNvSpPr>
+          <p:nvPr>
+            <p:ph type="ctrTitle"/>
+          </p:nvPr>
+        </p:nvSpPr>
+        <p:spPr/>
+        <p:txBody>
+          <a:bodyPr/>
+          <a:lstStyle/>
+          <a:p>
+            <a:r>
+              <a:rPr lang="en-US" dirty="0" smtClean="0"/>
+              <a:t>Hands-On Lab</a:t>
+            </a:r>
+            <a:endParaRPr lang="en-US" dirty="0"/>
+          </a:p>
+        </p:txBody>
+      </p:sp>
+      <p:sp>
+        <p:nvSpPr>
+          <p:cNvPr id="3" name="Subtitle 2"/>
+          <p:cNvSpPr>
+            <a:spLocks noGrp="1"/>
+          </p:cNvSpPr>
+          <p:nvPr>
+            <p:ph type="subTitle" idx="1"/>
+          </p:nvPr>
+        </p:nvSpPr>
+        <p:spPr>
+          <a:xfrm>
+            <a:off x="1889618" y="5630475"/>
+            <a:ext cx="9424826" cy="461665"/>
+          </a:xfrm>
+        </p:spPr>
+        <p:txBody>
+          <a:bodyPr/>
+          <a:lstStyle/>
+          <a:p>
+            <a:r>
+              <a:rPr lang="en-US" dirty="0" smtClean="0"/>
+              <a:t>Azure Storage HOL.html</a:t>
+            </a:r>
+            <a:endParaRPr lang="en-US" dirty="0"/>
+          </a:p>
+        </p:txBody>
+      </p:sp>
+      <p:sp>
+        <p:nvSpPr>
+          <p:cNvPr id="4" name="Text Placeholder 3"/>
+          <p:cNvSpPr>
+            <a:spLocks noGrp="1"/>
+          </p:cNvSpPr>
+          <p:nvPr>
+            <p:ph type="body" sz="quarter" idx="10"/>
+          </p:nvPr>
+        </p:nvSpPr>
+        <p:spPr/>
+        <p:txBody>
+          <a:bodyPr/>
+          <a:lstStyle/>
+          <a:p>
+            <a:r>
+              <a:rPr lang="en-US" dirty="0" smtClean="0"/>
+              <a:t>Using Azure Storage</a:t>
+            </a:r>
+            <a:endParaRPr lang="en-US" dirty="0"/>
+          </a:p>
+        </p:txBody>
+      </p:sp>
+    </p:spTree>
+    <p:extLst>
+      <p:ext uri="{BB962C8B-B14F-4D97-AF65-F5344CB8AC3E}">
+        <p14:creationId xmlns:p14="http://schemas.microsoft.com/office/powerpoint/2010/main" val="1225957095"/>
+      </p:ext>
+    </p:extLst>
+  </p:cSld>
+  <p:clrMapOvr>
+    <a:masterClrMapping/>
+  </p:clrMapOvr>
+  <p:transition>
+    <p:fade/>
+  </p:transition>
+  <p:timing>
+    <p:tnLst>
+      <p:par>
+        <p:cTn id="1" dur="indefinite" restart="never" nodeType="tmRoot"/>
+      </p:par>
+    </p:tnLst>
+  </p:timing>
+</p:sld>
+</file>
+
+<file path=ppt/slides/slide12.xml><?xml version="1.0" encoding="utf-8"?>
+<p:sld xmlns:a="http://schemas.openxmlformats.org/drawingml/2006/main" xmlns:r="http://schemas.openxmlformats.org/officeDocument/2006/relationships" xmlns:p="http://schemas.openxmlformats.org/presentationml/2006/main">
+  <p:cSld>
+    <p:spTree>
+      <p:nvGrpSpPr>
+        <p:cNvPr id="1" name=""/>
+        <p:cNvGrpSpPr/>
+        <p:nvPr/>
+      </p:nvGrpSpPr>
+      <p:grpSpPr>
+        <a:xfrm>
+          <a:off x="0" y="0"/>
+          <a:ext cx="0" cy="0"/>
+          <a:chOff x="0" y="0"/>
+          <a:chExt cx="0" cy="0"/>
+        </a:xfrm>
+      </p:grpSpPr>
     </p:spTree>
     <p:extLst>
       <p:ext uri="{BB962C8B-B14F-4D97-AF65-F5344CB8AC3E}">
@@ -12264,7 +13316,55 @@
                 <a:latin typeface="Segoe UI Light" panose="020B0502040204020203" pitchFamily="34" charset="0"/>
                 <a:cs typeface="Segoe UI Light" panose="020B0502040204020203" pitchFamily="34" charset="0"/>
               </a:rPr>
-              <a:t> type of data, analogous to files in a file system, with individual blobs storing up to 1 TB of data</a:t>
+              <a:t> type of data, analogous to files in a file system, with individual blobs storing up to </a:t>
+            </a:r>
+            <a:r>
+              <a:rPr lang="en-US" sz="2400" dirty="0" smtClean="0">
+                <a:gradFill>
+                  <a:gsLst>
+                    <a:gs pos="0">
+                      <a:srgbClr val="292929">
+                        <a:lumMod val="90000"/>
+                        <a:lumOff val="10000"/>
+                      </a:srgbClr>
+                    </a:gs>
+                    <a:gs pos="86000">
+                      <a:srgbClr val="292929">
+                        <a:lumMod val="90000"/>
+                        <a:lumOff val="10000"/>
+                      </a:srgbClr>
+                    </a:gs>
+                  </a:gsLst>
+                  <a:lin ang="5400000" scaled="0"/>
+                </a:gradFill>
+                <a:latin typeface="Segoe UI Light" panose="020B0502040204020203" pitchFamily="34" charset="0"/>
+                <a:cs typeface="Segoe UI Light" panose="020B0502040204020203" pitchFamily="34" charset="0"/>
+              </a:rPr>
+              <a:t>4.75 </a:t>
+            </a:r>
+            <a:r>
+              <a:rPr lang="en-US" sz="2400" dirty="0" smtClean="0">
+                <a:gradFill>
+                  <a:gsLst>
+                    <a:gs pos="0">
+                      <a:srgbClr val="292929">
+                        <a:lumMod val="90000"/>
+                        <a:lumOff val="10000"/>
+                      </a:srgbClr>
+                    </a:gs>
+                    <a:gs pos="86000">
+                      <a:srgbClr val="292929">
+                        <a:lumMod val="90000"/>
+                        <a:lumOff val="10000"/>
+                      </a:srgbClr>
+                    </a:gs>
+                  </a:gsLst>
+                  <a:lin ang="5400000" scaled="0"/>
+                </a:gradFill>
+                <a:latin typeface="Segoe UI Light" panose="020B0502040204020203" pitchFamily="34" charset="0"/>
+                <a:cs typeface="Segoe UI Light" panose="020B0502040204020203" pitchFamily="34" charset="0"/>
+              </a:rPr>
+              <a:t>TB of data</a:t>
             </a:r>
             <a:endParaRPr lang="en-US" sz="2400" dirty="0">
               <a:gradFill>
@@ -15836,7 +16936,7 @@
           <a:p>
             <a:r>
               <a:rPr lang="en-US" dirty="0" smtClean="0"/>
-              <a:t>Access Policies</a:t>
+              <a:t>Storage Accounts</a:t>
             </a:r>
             <a:endParaRPr lang="en-US" dirty="0"/>
           </a:p>
@@ -15849,13 +16949,13 @@
             <a:spLocks noGrp="1"/>
           </p:cNvSpPr>
           <p:nvPr>
-            <p:ph sz="half" idx="1"/>
+            <p:ph idx="1"/>
           </p:nvPr>
         </p:nvSpPr>
         <p:spPr>
           <a:xfrm>
             <a:off x="519248" y="1447800"/>
-            <a:ext cx="5487829" cy="4246034"/>
+            <a:ext cx="7140336" cy="3556999"/>
           </a:xfrm>
         </p:spPr>
         <p:txBody>
@@ -15863,48 +16963,58 @@
           <a:lstStyle/>
           <a:p>
             <a:r>
+              <a:rPr lang="en-US" dirty="0"/>
+              <a:t>Up to 500 TB of data per account</a:t>
+            </a:r>
+          </a:p>
+          <a:p>
+            <a:r>
+              <a:rPr lang="en-US" dirty="0"/>
+              <a:t>Maximum of 200 storage accounts per subscription</a:t>
+            </a:r>
+          </a:p>
+          <a:p>
+            <a:r>
+              <a:rPr lang="en-US" dirty="0"/>
+              <a:t>Two types of accounts</a:t>
+            </a:r>
+          </a:p>
+          <a:p>
+            <a:pPr lvl="1"/>
+            <a:r>
+              <a:rPr lang="en-US" dirty="0"/>
+              <a:t>"General purpose" and "Blob storage"</a:t>
+            </a:r>
+          </a:p>
+          <a:p>
+            <a:r>
+              <a:rPr lang="en-US" dirty="0"/>
+              <a:t>Four types of replication</a:t>
+            </a:r>
+          </a:p>
+          <a:p>
+            <a:pPr lvl="1"/>
+            <a:r>
+              <a:rPr lang="en-US" dirty="0"/>
+              <a:t>LRS, ZRS, GRS, and RA-GRS</a:t>
+            </a:r>
+          </a:p>
+          <a:p>
+            <a:r>
+              <a:rPr lang="en-US" dirty="0"/>
+              <a:t>Support optional 256-bit AES encryption for "data at rest</a:t>
+            </a:r>
+            <a:r>
               <a:rPr lang="en-US" dirty="0" smtClean="0"/>
-              <a:t>Each container is assigned one of three access policies</a:t>
-            </a:r>
-          </a:p>
-          <a:p>
-            <a:pPr lvl="1"/>
-            <a:r>
-              <a:rPr lang="en-US" dirty="0" smtClean="0"/>
-              <a:t>Private – Blobs can't be read </a:t>
-            </a:r>
-            <a:r>
-              <a:rPr lang="en-US" dirty="0"/>
-              <a:t>or enumerated </a:t>
-            </a:r>
-            <a:r>
-              <a:rPr lang="en-US" dirty="0" smtClean="0"/>
-              <a:t>anonymously</a:t>
-            </a:r>
-          </a:p>
-          <a:p>
-            <a:pPr lvl="1"/>
-            <a:r>
-              <a:rPr lang="en-US" dirty="0" smtClean="0"/>
-              <a:t>Public Container – Blobs can be read and enumerated anonymously</a:t>
-            </a:r>
-          </a:p>
-          <a:p>
-            <a:pPr lvl="1"/>
-            <a:r>
-              <a:rPr lang="en-US" dirty="0" smtClean="0"/>
-              <a:t>Public Blob – </a:t>
-            </a:r>
-            <a:r>
-              <a:rPr lang="en-US" dirty="0"/>
-              <a:t>Blobs can be read anonymously, but cannot be enumerated</a:t>
-            </a:r>
+              <a:t>"</a:t>
+            </a:r>
+            <a:endParaRPr lang="en-US" dirty="0"/>
           </a:p>
         </p:txBody>
       </p:sp>
       <p:pic>
         <p:nvPicPr>
-          <p:cNvPr id="5" name="Picture 4"/>
+          <p:cNvPr id="4" name="Picture 3"/>
           <p:cNvPicPr>
             <a:picLocks noChangeAspect="1"/>
           </p:cNvPicPr>
@@ -15918,25 +17028,18 @@
         </p:blipFill>
         <p:spPr>
           <a:xfrm>
-            <a:off x="6899139" y="1447800"/>
-            <a:ext cx="4772025" cy="3343275"/>
+            <a:off x="8414657" y="1447800"/>
+            <a:ext cx="3003237" cy="4200957"/>
           </a:xfrm>
           <a:prstGeom prst="rect">
             <a:avLst/>
           </a:prstGeom>
-          <a:ln>
-            <a:solidFill>
-              <a:schemeClr val="bg2">
-                <a:lumMod val="75000"/>
-              </a:schemeClr>
-            </a:solidFill>
-          </a:ln>
         </p:spPr>
       </p:pic>
     </p:spTree>
     <p:extLst>
       <p:ext uri="{BB962C8B-B14F-4D97-AF65-F5344CB8AC3E}">
-        <p14:creationId xmlns:p14="http://schemas.microsoft.com/office/powerpoint/2010/main" val="1896274213"/>
+        <p14:creationId xmlns:p14="http://schemas.microsoft.com/office/powerpoint/2010/main" val="4179518000"/>
       </p:ext>
     </p:extLst>
   </p:cSld>
@@ -15946,13 +17049,6 @@
   <p:transition>
     <p:fade/>
   </p:transition>
-  <p:timing>
-    <p:tnLst>
-      <p:par>
-        <p:cTn id="1" dur="indefinite" restart="never" nodeType="tmRoot"/>
-      </p:par>
-    </p:tnLst>
-  </p:timing>
 </p:sld>
 </file>
 
@@ -16003,13 +17099,13 @@
             <a:spLocks noGrp="1"/>
           </p:cNvSpPr>
           <p:nvPr>
-            <p:ph sz="half" idx="1"/>
+            <p:ph idx="1"/>
           </p:nvPr>
         </p:nvSpPr>
         <p:spPr>
           <a:xfrm>
-            <a:off x="519248" y="1447800"/>
-            <a:ext cx="5487829" cy="4658455"/>
+            <a:off x="519247" y="1447800"/>
+            <a:ext cx="6677199" cy="4215385"/>
           </a:xfrm>
         </p:spPr>
         <p:txBody>
@@ -16017,34 +17113,44 @@
           <a:lstStyle/>
           <a:p>
             <a:r>
+              <a:rPr lang="en-US" dirty="0"/>
+              <a:t>Access to storage by non-account-owners relies on </a:t>
+            </a:r>
+            <a:r>
               <a:rPr lang="en-US" dirty="0" smtClean="0"/>
-              <a:t>Access to storage by non-account-owners relies on keys for authentication</a:t>
-            </a:r>
+              <a:t>access keys</a:t>
+            </a:r>
+            <a:endParaRPr lang="en-US" dirty="0"/>
           </a:p>
           <a:p>
             <a:pPr lvl="1"/>
             <a:r>
+              <a:rPr lang="en-US" dirty="0"/>
+              <a:t>Two 512-bit keys per account</a:t>
+            </a:r>
+          </a:p>
+          <a:p>
+            <a:r>
+              <a:rPr lang="en-US" dirty="0"/>
+              <a:t>Keys should be "rolled" periodically for security</a:t>
+            </a:r>
+          </a:p>
+          <a:p>
+            <a:r>
+              <a:rPr lang="en-US" dirty="0"/>
+              <a:t>Keys can be used to generate shared-access signatures (SAS) for secure and restricted </a:t>
+            </a:r>
+            <a:r>
               <a:rPr lang="en-US" dirty="0" smtClean="0"/>
-              <a:t>Two 512-bit keys per account</a:t>
-            </a:r>
-          </a:p>
-          <a:p>
-            <a:r>
-              <a:rPr lang="en-US" dirty="0" smtClean="0"/>
-              <a:t>Keys should be "rolled" periodically for security</a:t>
-            </a:r>
-          </a:p>
-          <a:p>
-            <a:r>
-              <a:rPr lang="en-US" dirty="0" smtClean="0"/>
-              <a:t>Keys can be used to generate shared-access signatures (SAS) for secure and restricted access</a:t>
-            </a:r>
+              <a:t>access</a:t>
+            </a:r>
+            <a:endParaRPr lang="en-US" dirty="0"/>
           </a:p>
         </p:txBody>
       </p:sp>
       <p:pic>
         <p:nvPicPr>
-          <p:cNvPr id="4" name="Picture 3"/>
+          <p:cNvPr id="5" name="Picture 4"/>
           <p:cNvPicPr>
             <a:picLocks noChangeAspect="1"/>
           </p:cNvPicPr>
@@ -16058,25 +17164,18 @@
         </p:blipFill>
         <p:spPr>
           <a:xfrm>
-            <a:off x="6413364" y="1447800"/>
-            <a:ext cx="5257800" cy="4371975"/>
+            <a:off x="7923316" y="1447800"/>
+            <a:ext cx="3310742" cy="4138428"/>
           </a:xfrm>
           <a:prstGeom prst="rect">
             <a:avLst/>
           </a:prstGeom>
-          <a:ln>
-            <a:solidFill>
-              <a:schemeClr val="bg2">
-                <a:lumMod val="75000"/>
-              </a:schemeClr>
-            </a:solidFill>
-          </a:ln>
         </p:spPr>
       </p:pic>
     </p:spTree>
     <p:extLst>
       <p:ext uri="{BB962C8B-B14F-4D97-AF65-F5344CB8AC3E}">
-        <p14:creationId xmlns:p14="http://schemas.microsoft.com/office/powerpoint/2010/main" val="1112073798"/>
+        <p14:creationId xmlns:p14="http://schemas.microsoft.com/office/powerpoint/2010/main" val="3060914150"/>
       </p:ext>
     </p:extLst>
   </p:cSld>
@@ -16086,13 +17185,6 @@
   <p:transition>
     <p:fade/>
   </p:transition>
-  <p:timing>
-    <p:tnLst>
-      <p:par>
-        <p:cTn id="1" dur="indefinite" restart="never" nodeType="tmRoot"/>
-      </p:par>
-    </p:tnLst>
-  </p:timing>
 </p:sld>
 </file>
 
@@ -16130,7 +17222,7 @@
           <a:p>
             <a:r>
               <a:rPr lang="en-US" dirty="0" smtClean="0"/>
-              <a:t>Using a Shared-Access Signature</a:t>
+              <a:t>Shared-Access Signatures</a:t>
             </a:r>
             <a:endParaRPr lang="en-US" dirty="0"/>
           </a:p>
@@ -16479,7 +17571,7 @@
           <a:p>
             <a:r>
               <a:rPr lang="en-US" dirty="0" smtClean="0"/>
-              <a:t>Azure Storage Tools</a:t>
+              <a:t>Storage Containers</a:t>
             </a:r>
             <a:endParaRPr lang="en-US" dirty="0"/>
           </a:p>
@@ -16498,7 +17590,7 @@
         <p:spPr>
           <a:xfrm>
             <a:off x="519248" y="1447800"/>
-            <a:ext cx="11151916" cy="1427699"/>
+            <a:ext cx="11151918" cy="2793842"/>
           </a:xfrm>
         </p:spPr>
         <p:txBody>
@@ -16507,23 +17599,44 @@
           <a:p>
             <a:r>
               <a:rPr lang="en-US" dirty="0" smtClean="0"/>
-              <a:t>Portal doesn't provide functionality for uploading blobs or generating shared-access </a:t>
-            </a:r>
+              <a:t>Three </a:t>
+            </a:r>
+            <a:r>
+              <a:rPr lang="en-US" dirty="0"/>
+              <a:t>access policies</a:t>
+            </a:r>
+          </a:p>
+          <a:p>
+            <a:pPr lvl="1"/>
+            <a:r>
+              <a:rPr lang="en-US" dirty="0"/>
+              <a:t>Private – Blobs can't be read or enumerated anonymously</a:t>
+            </a:r>
+          </a:p>
+          <a:p>
+            <a:pPr lvl="1"/>
             <a:r>
               <a:rPr lang="en-US" dirty="0" smtClean="0"/>
-              <a:t>signatures</a:t>
-            </a:r>
-            <a:endParaRPr lang="en-US" dirty="0" smtClean="0"/>
-          </a:p>
-          <a:p>
+              <a:t>Container </a:t>
+            </a:r>
+            <a:r>
+              <a:rPr lang="en-US" dirty="0"/>
+              <a:t>– Blobs can be read and enumerated anonymously</a:t>
+            </a:r>
+          </a:p>
+          <a:p>
+            <a:pPr lvl="1"/>
             <a:r>
               <a:rPr lang="en-US" dirty="0" smtClean="0"/>
-              <a:t>Use </a:t>
-            </a:r>
-            <a:r>
-              <a:rPr lang="en-US" dirty="0" smtClean="0"/>
-              <a:t>free, third-party, cross-platform tools instead</a:t>
-            </a:r>
+              <a:t>Blob </a:t>
+            </a:r>
+            <a:r>
+              <a:rPr lang="en-US" dirty="0"/>
+              <a:t>– Blobs can be read anonymously, but cannot be enumerated</a:t>
+            </a:r>
+          </a:p>
+          <a:p>
+            <a:endParaRPr lang="en-US" dirty="0"/>
           </a:p>
         </p:txBody>
       </p:sp>
@@ -16543,148 +17656,18 @@
         </p:blipFill>
         <p:spPr>
           <a:xfrm>
-            <a:off x="5917739" y="3483443"/>
-            <a:ext cx="5045393" cy="2557149"/>
+            <a:off x="3309144" y="3965957"/>
+            <a:ext cx="5572125" cy="2409825"/>
           </a:xfrm>
           <a:prstGeom prst="rect">
             <a:avLst/>
           </a:prstGeom>
-          <a:ln>
-            <a:noFill/>
-          </a:ln>
-          <a:effectLst>
-            <a:outerShdw blurRad="292100" dist="139700" dir="2700000" algn="tl" rotWithShape="0">
-              <a:srgbClr val="333333">
-                <a:alpha val="65000"/>
-              </a:srgbClr>
-            </a:outerShdw>
-          </a:effectLst>
         </p:spPr>
       </p:pic>
-      <p:sp>
-        <p:nvSpPr>
-          <p:cNvPr id="9" name="TextBox 8"/>
-          <p:cNvSpPr txBox="1"/>
-          <p:nvPr/>
-        </p:nvSpPr>
-        <p:spPr>
-          <a:xfrm>
-            <a:off x="5917738" y="3144889"/>
-            <a:ext cx="5045394" cy="276999"/>
-          </a:xfrm>
-          <a:prstGeom prst="rect">
-            <a:avLst/>
-          </a:prstGeom>
-          <a:noFill/>
-        </p:spPr>
-        <p:txBody>
-          <a:bodyPr wrap="square" lIns="0" tIns="0" rIns="0" bIns="0" rtlCol="0">
-            <a:spAutoFit/>
-          </a:bodyPr>
-          <a:lstStyle/>
-          <a:p>
-            <a:pPr algn="ctr">
-              <a:lnSpc>
-                <a:spcPct val="90000"/>
-              </a:lnSpc>
-              <a:spcBef>
-                <a:spcPct val="20000"/>
-              </a:spcBef>
-              <a:buSzPct val="80000"/>
-            </a:pPr>
-            <a:r>
-              <a:rPr lang="en-US" sz="2000" dirty="0" smtClean="0">
-                <a:latin typeface="Segoe UI Light" panose="020B0502040204020203" pitchFamily="34" charset="0"/>
-                <a:cs typeface="Segoe UI Light" panose="020B0502040204020203" pitchFamily="34" charset="0"/>
-              </a:rPr>
-              <a:t>Azure Command-Line Interface (CLI)</a:t>
-            </a:r>
-          </a:p>
-        </p:txBody>
-      </p:sp>
-      <p:pic>
-        <p:nvPicPr>
-          <p:cNvPr id="10" name="Picture 9"/>
-          <p:cNvPicPr>
-            <a:picLocks noChangeAspect="1"/>
-          </p:cNvPicPr>
-          <p:nvPr/>
-        </p:nvPicPr>
-        <p:blipFill>
-          <a:blip r:embed="rId4"/>
-          <a:stretch>
-            <a:fillRect/>
-          </a:stretch>
-        </p:blipFill>
-        <p:spPr>
-          <a:xfrm>
-            <a:off x="1014518" y="3483443"/>
-            <a:ext cx="4110142" cy="2561686"/>
-          </a:xfrm>
-          <a:prstGeom prst="rect">
-            <a:avLst/>
-          </a:prstGeom>
-          <a:ln>
-            <a:noFill/>
-          </a:ln>
-          <a:effectLst>
-            <a:outerShdw blurRad="292100" dist="139700" dir="2700000" algn="tl" rotWithShape="0">
-              <a:srgbClr val="333333">
-                <a:alpha val="65000"/>
-              </a:srgbClr>
-            </a:outerShdw>
-          </a:effectLst>
-        </p:spPr>
-      </p:pic>
-      <p:sp>
-        <p:nvSpPr>
-          <p:cNvPr id="11" name="TextBox 10"/>
-          <p:cNvSpPr txBox="1"/>
-          <p:nvPr/>
-        </p:nvSpPr>
-        <p:spPr>
-          <a:xfrm>
-            <a:off x="1049812" y="3144888"/>
-            <a:ext cx="4074848" cy="276999"/>
-          </a:xfrm>
-          <a:prstGeom prst="rect">
-            <a:avLst/>
-          </a:prstGeom>
-          <a:noFill/>
-        </p:spPr>
-        <p:txBody>
-          <a:bodyPr wrap="square" lIns="0" tIns="0" rIns="0" bIns="0" rtlCol="0">
-            <a:spAutoFit/>
-          </a:bodyPr>
-          <a:lstStyle/>
-          <a:p>
-            <a:pPr algn="ctr">
-              <a:lnSpc>
-                <a:spcPct val="90000"/>
-              </a:lnSpc>
-              <a:spcBef>
-                <a:spcPct val="20000"/>
-              </a:spcBef>
-              <a:buSzPct val="80000"/>
-            </a:pPr>
-            <a:r>
-              <a:rPr lang="en-US" sz="2000" dirty="0" smtClean="0">
-                <a:latin typeface="Segoe UI Light" panose="020B0502040204020203" pitchFamily="34" charset="0"/>
-                <a:cs typeface="Segoe UI Light" panose="020B0502040204020203" pitchFamily="34" charset="0"/>
-              </a:rPr>
-              <a:t>Microsoft Azure Storage Explorer</a:t>
-            </a:r>
-            <a:endParaRPr lang="en-US" sz="2000" dirty="0">
-              <a:latin typeface="Segoe UI Light" panose="020B0502040204020203" pitchFamily="34" charset="0"/>
-              <a:cs typeface="Segoe UI Light" panose="020B0502040204020203" pitchFamily="34" charset="0"/>
-            </a:endParaRPr>
-          </a:p>
-        </p:txBody>
-      </p:sp>
     </p:spTree>
     <p:extLst>
       <p:ext uri="{BB962C8B-B14F-4D97-AF65-F5344CB8AC3E}">
-        <p14:creationId xmlns:p14="http://schemas.microsoft.com/office/powerpoint/2010/main" val="660934382"/>
+        <p14:creationId xmlns:p14="http://schemas.microsoft.com/office/powerpoint/2010/main" val="3231213525"/>
       </p:ext>
     </p:extLst>
   </p:cSld>
@@ -16694,13 +17677,6 @@
   <p:transition>
     <p:fade/>
   </p:transition>
-  <p:timing>
-    <p:tnLst>
-      <p:par>
-        <p:cTn id="1" dur="indefinite" restart="never" nodeType="tmRoot"/>
-      </p:par>
-    </p:tnLst>
-  </p:timing>
 </p:sld>
 </file>
 
@@ -16728,7 +17704,7 @@
             <a:spLocks noGrp="1"/>
           </p:cNvSpPr>
           <p:nvPr>
-            <p:ph type="ctrTitle"/>
+            <p:ph type="title"/>
           </p:nvPr>
         </p:nvSpPr>
         <p:spPr/>
@@ -16738,7 +17714,7 @@
           <a:p>
             <a:r>
               <a:rPr lang="en-US" dirty="0" smtClean="0"/>
-              <a:t>Hands-On Lab</a:t>
+              <a:t>Storage Blobs</a:t>
             </a:r>
             <a:endParaRPr lang="en-US" dirty="0"/>
           </a:p>
@@ -16746,18 +17722,18 @@
       </p:sp>
       <p:sp>
         <p:nvSpPr>
-          <p:cNvPr id="3" name="Subtitle 2"/>
+          <p:cNvPr id="3" name="Content Placeholder 2"/>
           <p:cNvSpPr>
             <a:spLocks noGrp="1"/>
           </p:cNvSpPr>
           <p:nvPr>
-            <p:ph type="subTitle" idx="1"/>
+            <p:ph idx="1"/>
           </p:nvPr>
         </p:nvSpPr>
         <p:spPr>
           <a:xfrm>
-            <a:off x="1889618" y="5630475"/>
-            <a:ext cx="9424826" cy="461665"/>
+            <a:off x="519248" y="1447800"/>
+            <a:ext cx="11151916" cy="4233980"/>
           </a:xfrm>
         </p:spPr>
         <p:txBody>
@@ -16765,8 +17741,39 @@
           <a:lstStyle/>
           <a:p>
             <a:r>
+              <a:rPr lang="en-US" dirty="0"/>
+              <a:t>Unlimited number of blobs per container</a:t>
+            </a:r>
+          </a:p>
+          <a:p>
+            <a:r>
+              <a:rPr lang="en-US" dirty="0"/>
+              <a:t>Three types of blobs</a:t>
+            </a:r>
+          </a:p>
+          <a:p>
+            <a:endParaRPr lang="en-US" dirty="0"/>
+          </a:p>
+          <a:p>
+            <a:endParaRPr lang="en-US" dirty="0"/>
+          </a:p>
+          <a:p>
+            <a:endParaRPr lang="en-US" dirty="0"/>
+          </a:p>
+          <a:p>
+            <a:endParaRPr lang="en-US" dirty="0"/>
+          </a:p>
+          <a:p>
+            <a:endParaRPr lang="en-US" dirty="0"/>
+          </a:p>
+          <a:p>
+            <a:r>
+              <a:rPr lang="en-US" dirty="0"/>
+              <a:t>Blobs also support user-defined metadata (key-value pairs</a:t>
+            </a:r>
+            <a:r>
               <a:rPr lang="en-US" dirty="0" smtClean="0"/>
-              <a:t>Azure Storage HOL.html</a:t>
+              <a:t>)</a:t>
             </a:r>
             <a:endParaRPr lang="en-US" dirty="0"/>
           </a:p>
@@ -16774,31 +17781,309 @@
       </p:sp>
       <p:sp>
         <p:nvSpPr>
-          <p:cNvPr id="4" name="Text Placeholder 3"/>
-          <p:cNvSpPr>
-            <a:spLocks noGrp="1"/>
-          </p:cNvSpPr>
-          <p:nvPr>
-            <p:ph type="body" sz="quarter" idx="10"/>
-          </p:nvPr>
+          <p:cNvPr id="4" name="Rectangle 3"/>
+          <p:cNvSpPr/>
+          <p:nvPr/>
         </p:nvSpPr>
-        <p:spPr/>
+        <p:spPr>
+          <a:xfrm>
+            <a:off x="7646152" y="2797725"/>
+            <a:ext cx="2823431" cy="1854434"/>
+          </a:xfrm>
+          <a:prstGeom prst="rect">
+            <a:avLst/>
+          </a:prstGeom>
+          <a:solidFill>
+            <a:srgbClr val="00AEEF"/>
+          </a:solidFill>
+          <a:ln>
+            <a:noFill/>
+          </a:ln>
+        </p:spPr>
+        <p:style>
+          <a:lnRef idx="2">
+            <a:schemeClr val="accent1">
+              <a:shade val="50000"/>
+            </a:schemeClr>
+          </a:lnRef>
+          <a:fillRef idx="1">
+            <a:schemeClr val="accent1"/>
+          </a:fillRef>
+          <a:effectRef idx="0">
+            <a:schemeClr val="accent1"/>
+          </a:effectRef>
+          <a:fontRef idx="minor">
+            <a:schemeClr val="lt1"/>
+          </a:fontRef>
+        </p:style>
         <p:txBody>
-          <a:bodyPr/>
+          <a:bodyPr rtlCol="0" anchor="ctr"/>
           <a:lstStyle/>
           <a:p>
-            <a:r>
-              <a:rPr lang="en-US" dirty="0" smtClean="0"/>
-              <a:t>Using Azure Storage</a:t>
-            </a:r>
-            <a:endParaRPr lang="en-US" dirty="0"/>
+            <a:pPr algn="ctr">
+              <a:spcAft>
+                <a:spcPts val="600"/>
+              </a:spcAft>
+            </a:pPr>
+            <a:r>
+              <a:rPr lang="en-US" sz="3600" dirty="0" smtClean="0">
+                <a:solidFill>
+                  <a:schemeClr val="bg1"/>
+                </a:solidFill>
+              </a:rPr>
+              <a:t>Page</a:t>
+            </a:r>
+            <a:endParaRPr lang="en-US" sz="3600" dirty="0">
+              <a:solidFill>
+                <a:schemeClr val="bg1"/>
+              </a:solidFill>
+            </a:endParaRPr>
+          </a:p>
+          <a:p>
+            <a:pPr algn="ctr">
+              <a:spcAft>
+                <a:spcPts val="600"/>
+              </a:spcAft>
+            </a:pPr>
+            <a:r>
+              <a:rPr lang="en-US" sz="2000" dirty="0" smtClean="0">
+                <a:solidFill>
+                  <a:schemeClr val="bg1"/>
+                </a:solidFill>
+              </a:rPr>
+              <a:t>Up to 1 TB</a:t>
+            </a:r>
+          </a:p>
+          <a:p>
+            <a:pPr algn="ctr"/>
+            <a:r>
+              <a:rPr lang="en-US" sz="1600" dirty="0" smtClean="0">
+                <a:solidFill>
+                  <a:schemeClr val="bg1"/>
+                </a:solidFill>
+              </a:rPr>
+              <a:t>VHDs only; optimized for random access</a:t>
+            </a:r>
+          </a:p>
+        </p:txBody>
+      </p:sp>
+      <p:sp>
+        <p:nvSpPr>
+          <p:cNvPr id="5" name="Rectangle 4"/>
+          <p:cNvSpPr/>
+          <p:nvPr/>
+        </p:nvSpPr>
+        <p:spPr>
+          <a:xfrm>
+            <a:off x="4332936" y="2797725"/>
+            <a:ext cx="2823431" cy="1854434"/>
+          </a:xfrm>
+          <a:prstGeom prst="rect">
+            <a:avLst/>
+          </a:prstGeom>
+          <a:solidFill>
+            <a:srgbClr val="00AEEF"/>
+          </a:solidFill>
+          <a:ln>
+            <a:noFill/>
+          </a:ln>
+        </p:spPr>
+        <p:style>
+          <a:lnRef idx="2">
+            <a:schemeClr val="accent1">
+              <a:shade val="50000"/>
+            </a:schemeClr>
+          </a:lnRef>
+          <a:fillRef idx="1">
+            <a:schemeClr val="accent1"/>
+          </a:fillRef>
+          <a:effectRef idx="0">
+            <a:schemeClr val="accent1"/>
+          </a:effectRef>
+          <a:fontRef idx="minor">
+            <a:schemeClr val="lt1"/>
+          </a:fontRef>
+        </p:style>
+        <p:txBody>
+          <a:bodyPr rtlCol="0" anchor="ctr"/>
+          <a:lstStyle/>
+          <a:p>
+            <a:pPr algn="ctr">
+              <a:spcAft>
+                <a:spcPts val="600"/>
+              </a:spcAft>
+            </a:pPr>
+            <a:r>
+              <a:rPr lang="en-US" sz="3600" dirty="0" smtClean="0">
+                <a:solidFill>
+                  <a:schemeClr val="bg1"/>
+                </a:solidFill>
+              </a:rPr>
+              <a:t>Append</a:t>
+            </a:r>
+            <a:endParaRPr lang="en-US" sz="3600" dirty="0">
+              <a:solidFill>
+                <a:schemeClr val="bg1"/>
+              </a:solidFill>
+            </a:endParaRPr>
+          </a:p>
+          <a:p>
+            <a:pPr algn="ctr">
+              <a:spcAft>
+                <a:spcPts val="600"/>
+              </a:spcAft>
+            </a:pPr>
+            <a:r>
+              <a:rPr lang="en-US" sz="2000" dirty="0" smtClean="0">
+                <a:solidFill>
+                  <a:schemeClr val="bg1"/>
+                </a:solidFill>
+              </a:rPr>
+              <a:t>Up to 195 GB</a:t>
+            </a:r>
+          </a:p>
+          <a:p>
+            <a:pPr algn="ctr"/>
+            <a:r>
+              <a:rPr lang="en-US" sz="1600" dirty="0" smtClean="0">
+                <a:solidFill>
+                  <a:schemeClr val="bg1"/>
+                </a:solidFill>
+              </a:rPr>
+              <a:t>Optimized for append operations</a:t>
+            </a:r>
+          </a:p>
+        </p:txBody>
+      </p:sp>
+      <p:sp>
+        <p:nvSpPr>
+          <p:cNvPr id="6" name="Rectangle 5"/>
+          <p:cNvSpPr/>
+          <p:nvPr/>
+        </p:nvSpPr>
+        <p:spPr>
+          <a:xfrm>
+            <a:off x="1019720" y="2797725"/>
+            <a:ext cx="2823431" cy="1854434"/>
+          </a:xfrm>
+          <a:prstGeom prst="rect">
+            <a:avLst/>
+          </a:prstGeom>
+          <a:solidFill>
+            <a:srgbClr val="00AEEF"/>
+          </a:solidFill>
+          <a:ln>
+            <a:noFill/>
+          </a:ln>
+        </p:spPr>
+        <p:style>
+          <a:lnRef idx="2">
+            <a:schemeClr val="accent1">
+              <a:shade val="50000"/>
+            </a:schemeClr>
+          </a:lnRef>
+          <a:fillRef idx="1">
+            <a:schemeClr val="accent1"/>
+          </a:fillRef>
+          <a:effectRef idx="0">
+            <a:schemeClr val="accent1"/>
+          </a:effectRef>
+          <a:fontRef idx="minor">
+            <a:schemeClr val="lt1"/>
+          </a:fontRef>
+        </p:style>
+        <p:txBody>
+          <a:bodyPr rtlCol="0" anchor="ctr"/>
+          <a:lstStyle/>
+          <a:p>
+            <a:pPr algn="ctr">
+              <a:spcAft>
+                <a:spcPts val="600"/>
+              </a:spcAft>
+            </a:pPr>
+            <a:r>
+              <a:rPr lang="en-US" sz="3600" dirty="0" smtClean="0">
+                <a:solidFill>
+                  <a:schemeClr val="bg1"/>
+                </a:solidFill>
+              </a:rPr>
+              <a:t>Block</a:t>
+            </a:r>
+            <a:endParaRPr lang="en-US" sz="3600" dirty="0">
+              <a:solidFill>
+                <a:schemeClr val="bg1"/>
+              </a:solidFill>
+            </a:endParaRPr>
+          </a:p>
+          <a:p>
+            <a:pPr algn="ctr">
+              <a:spcAft>
+                <a:spcPts val="600"/>
+              </a:spcAft>
+            </a:pPr>
+            <a:r>
+              <a:rPr lang="en-US" sz="2000" dirty="0" smtClean="0">
+                <a:solidFill>
+                  <a:schemeClr val="bg1"/>
+                </a:solidFill>
+              </a:rPr>
+              <a:t>Up to </a:t>
+            </a:r>
+            <a:r>
+              <a:rPr lang="en-US" sz="2000" dirty="0" smtClean="0">
+                <a:solidFill>
+                  <a:schemeClr val="bg1"/>
+                </a:solidFill>
+              </a:rPr>
+              <a:t>4.75</a:t>
+            </a:r>
+            <a:r>
+              <a:rPr lang="en-US" sz="2000" dirty="0" smtClean="0">
+                <a:solidFill>
+                  <a:schemeClr val="bg1"/>
+                </a:solidFill>
+              </a:rPr>
+              <a:t> </a:t>
+            </a:r>
+            <a:r>
+              <a:rPr lang="en-US" sz="2000" dirty="0">
+                <a:solidFill>
+                  <a:schemeClr val="bg1"/>
+                </a:solidFill>
+              </a:rPr>
+              <a:t>T</a:t>
+            </a:r>
+            <a:r>
+              <a:rPr lang="en-US" sz="2000" dirty="0" smtClean="0">
+                <a:solidFill>
+                  <a:schemeClr val="bg1"/>
+                </a:solidFill>
+              </a:rPr>
+              <a:t>B</a:t>
+            </a:r>
+            <a:endParaRPr lang="en-US" sz="2000" dirty="0" smtClean="0">
+              <a:solidFill>
+                <a:schemeClr val="bg1"/>
+              </a:solidFill>
+            </a:endParaRPr>
+          </a:p>
+          <a:p>
+            <a:pPr algn="ctr"/>
+            <a:r>
+              <a:rPr lang="en-US" sz="1600" dirty="0" smtClean="0">
+                <a:solidFill>
+                  <a:schemeClr val="bg1"/>
+                </a:solidFill>
+              </a:rPr>
+              <a:t>General-purpose streaming and storage</a:t>
+            </a:r>
           </a:p>
         </p:txBody>
       </p:sp>
     </p:spTree>
     <p:extLst>
       <p:ext uri="{BB962C8B-B14F-4D97-AF65-F5344CB8AC3E}">
-        <p14:creationId xmlns:p14="http://schemas.microsoft.com/office/powerpoint/2010/main" val="1225957095"/>
+        <p14:creationId xmlns:p14="http://schemas.microsoft.com/office/powerpoint/2010/main" val="3619356028"/>
       </p:ext>
     </p:extLst>
   </p:cSld>
@@ -16808,13 +18093,6 @@
   <p:transition>
     <p:fade/>
   </p:transition>
-  <p:timing>
-    <p:tnLst>
-      <p:par>
-        <p:cTn id="1" dur="indefinite" restart="never" nodeType="tmRoot"/>
-      </p:par>
-    </p:tnLst>
-  </p:timing>
 </p:sld>
 </file>
 

--- a/Content/Storage/Azure Storage.pptx
+++ b/Content/Storage/Azure Storage.pptx
@@ -12548,11 +12548,7 @@
           <a:p>
             <a:r>
               <a:rPr lang="en-US" dirty="0" smtClean="0"/>
-              <a:t>Azure Storage </a:t>
-            </a:r>
-            <a:r>
-              <a:rPr lang="en-US" dirty="0" smtClean="0"/>
-              <a:t>Explorer</a:t>
+              <a:t>Azure Storage Explorer</a:t>
             </a:r>
             <a:endParaRPr lang="en-US" dirty="0"/>
           </a:p>
@@ -13316,55 +13312,7 @@
                 <a:latin typeface="Segoe UI Light" panose="020B0502040204020203" pitchFamily="34" charset="0"/>
                 <a:cs typeface="Segoe UI Light" panose="020B0502040204020203" pitchFamily="34" charset="0"/>
               </a:rPr>
-              <a:t> type of data, analogous to files in a file system, with individual blobs storing up to </a:t>
-            </a:r>
-            <a:r>
-              <a:rPr lang="en-US" sz="2400" dirty="0" smtClean="0">
-                <a:gradFill>
-                  <a:gsLst>
-                    <a:gs pos="0">
-                      <a:srgbClr val="292929">
-                        <a:lumMod val="90000"/>
-                        <a:lumOff val="10000"/>
-                      </a:srgbClr>
-                    </a:gs>
-                    <a:gs pos="86000">
-                      <a:srgbClr val="292929">
-                        <a:lumMod val="90000"/>
-                        <a:lumOff val="10000"/>
-                      </a:srgbClr>
-                    </a:gs>
-                  </a:gsLst>
-                  <a:lin ang="5400000" scaled="0"/>
-                </a:gradFill>
-                <a:latin typeface="Segoe UI Light" panose="020B0502040204020203" pitchFamily="34" charset="0"/>
-                <a:cs typeface="Segoe UI Light" panose="020B0502040204020203" pitchFamily="34" charset="0"/>
-              </a:rPr>
-              <a:t>4.75 </a:t>
-            </a:r>
-            <a:r>
-              <a:rPr lang="en-US" sz="2400" dirty="0" smtClean="0">
-                <a:gradFill>
-                  <a:gsLst>
-                    <a:gs pos="0">
-                      <a:srgbClr val="292929">
-                        <a:lumMod val="90000"/>
-                        <a:lumOff val="10000"/>
-                      </a:srgbClr>
-                    </a:gs>
-                    <a:gs pos="86000">
-                      <a:srgbClr val="292929">
-                        <a:lumMod val="90000"/>
-                        <a:lumOff val="10000"/>
-                      </a:srgbClr>
-                    </a:gs>
-                  </a:gsLst>
-                  <a:lin ang="5400000" scaled="0"/>
-                </a:gradFill>
-                <a:latin typeface="Segoe UI Light" panose="020B0502040204020203" pitchFamily="34" charset="0"/>
-                <a:cs typeface="Segoe UI Light" panose="020B0502040204020203" pitchFamily="34" charset="0"/>
-              </a:rPr>
-              <a:t>TB of data</a:t>
+              <a:t> type of data, analogous to files in a file system, with individual blobs storing up to 4.75 TB of data</a:t>
             </a:r>
             <a:endParaRPr lang="en-US" sz="2400" dirty="0">
               <a:gradFill>
@@ -17105,7 +17053,7 @@
         <p:spPr>
           <a:xfrm>
             <a:off x="519247" y="1447800"/>
-            <a:ext cx="6677199" cy="4215385"/>
+            <a:ext cx="5608369" cy="4215385"/>
           </a:xfrm>
         </p:spPr>
         <p:txBody>
@@ -17123,16 +17071,13 @@
             <a:endParaRPr lang="en-US" dirty="0"/>
           </a:p>
           <a:p>
-            <a:pPr lvl="1"/>
+            <a:r>
+              <a:rPr lang="en-US" dirty="0" smtClean="0"/>
+              <a:t>Keys </a:t>
+            </a:r>
             <a:r>
               <a:rPr lang="en-US" dirty="0"/>
-              <a:t>Two 512-bit keys per account</a:t>
-            </a:r>
-          </a:p>
-          <a:p>
-            <a:r>
-              <a:rPr lang="en-US" dirty="0"/>
-              <a:t>Keys should be "rolled" periodically for security</a:t>
+              <a:t>should be "rolled" periodically for security</a:t>
             </a:r>
           </a:p>
           <a:p>
@@ -17150,7 +17095,7 @@
       </p:sp>
       <p:pic>
         <p:nvPicPr>
-          <p:cNvPr id="5" name="Picture 4"/>
+          <p:cNvPr id="4" name="Picture 3"/>
           <p:cNvPicPr>
             <a:picLocks noChangeAspect="1"/>
           </p:cNvPicPr>
@@ -17164,8 +17109,8 @@
         </p:blipFill>
         <p:spPr>
           <a:xfrm>
-            <a:off x="7923316" y="1447800"/>
-            <a:ext cx="3310742" cy="4138428"/>
+            <a:off x="6127616" y="1590983"/>
+            <a:ext cx="5543550" cy="3438525"/>
           </a:xfrm>
           <a:prstGeom prst="rect">
             <a:avLst/>
@@ -18027,23 +17972,7 @@
                   <a:schemeClr val="bg1"/>
                 </a:solidFill>
               </a:rPr>
-              <a:t>Up to </a:t>
-            </a:r>
-            <a:r>
-              <a:rPr lang="en-US" sz="2000" dirty="0" smtClean="0">
-                <a:solidFill>
-                  <a:schemeClr val="bg1"/>
-                </a:solidFill>
-              </a:rPr>
-              <a:t>4.75</a:t>
-            </a:r>
-            <a:r>
-              <a:rPr lang="en-US" sz="2000" dirty="0" smtClean="0">
-                <a:solidFill>
-                  <a:schemeClr val="bg1"/>
-                </a:solidFill>
-              </a:rPr>
-              <a:t> </a:t>
+              <a:t>Up to 4.75 </a:t>
             </a:r>
             <a:r>
               <a:rPr lang="en-US" sz="2000" dirty="0">
@@ -18061,11 +17990,6 @@
               </a:rPr>
               <a:t>B</a:t>
             </a:r>
-            <a:endParaRPr lang="en-US" sz="2000" dirty="0" smtClean="0">
-              <a:solidFill>
-                <a:schemeClr val="bg1"/>
-              </a:solidFill>
-            </a:endParaRPr>
           </a:p>
           <a:p>
             <a:pPr algn="ctr"/>
